--- a/CactiTableCopyManual.pptx
+++ b/CactiTableCopyManual.pptx
@@ -6,6 +6,7 @@
   </p:sldMasterIdLst>
   <p:sldIdLst>
     <p:sldId id="256" r:id="rId2"/>
+    <p:sldId id="258" r:id="rId3"/>
   </p:sldIdLst>
   <p:sldSz cx="9144000" cy="6858000" type="screen4x3"/>
   <p:notesSz cx="6858000" cy="9144000"/>
@@ -288,6 +289,7 @@
           <a:p>
             <a:fld id="{CE9DF33F-7E89-EF4F-A0A0-2CA57A42C62D}" type="datetimeFigureOut">
               <a:rPr lang="ja-JP" altLang="en-US" smtClean="0"/>
+              <a:pPr/>
               <a:t>16.1.5</a:t>
             </a:fld>
             <a:endParaRPr lang="ja-JP" altLang="en-US"/>
@@ -330,6 +332,7 @@
           <a:p>
             <a:fld id="{7F8EB6BC-57B8-234C-B0CF-3C507BE63FFE}" type="slidenum">
               <a:rPr lang="ja-JP" altLang="en-US" smtClean="0"/>
+              <a:pPr/>
               <a:t>‹#›</a:t>
             </a:fld>
             <a:endParaRPr lang="ja-JP" altLang="en-US"/>
@@ -485,6 +488,7 @@
           <a:p>
             <a:fld id="{CE9DF33F-7E89-EF4F-A0A0-2CA57A42C62D}" type="datetimeFigureOut">
               <a:rPr lang="ja-JP" altLang="en-US" smtClean="0"/>
+              <a:pPr/>
               <a:t>16.1.5</a:t>
             </a:fld>
             <a:endParaRPr lang="ja-JP" altLang="en-US"/>
@@ -527,6 +531,7 @@
           <a:p>
             <a:fld id="{7F8EB6BC-57B8-234C-B0CF-3C507BE63FFE}" type="slidenum">
               <a:rPr lang="ja-JP" altLang="en-US" smtClean="0"/>
+              <a:pPr/>
               <a:t>‹#›</a:t>
             </a:fld>
             <a:endParaRPr lang="ja-JP" altLang="en-US"/>
@@ -692,6 +697,7 @@
           <a:p>
             <a:fld id="{CE9DF33F-7E89-EF4F-A0A0-2CA57A42C62D}" type="datetimeFigureOut">
               <a:rPr lang="ja-JP" altLang="en-US" smtClean="0"/>
+              <a:pPr/>
               <a:t>16.1.5</a:t>
             </a:fld>
             <a:endParaRPr lang="ja-JP" altLang="en-US"/>
@@ -734,6 +740,7 @@
           <a:p>
             <a:fld id="{7F8EB6BC-57B8-234C-B0CF-3C507BE63FFE}" type="slidenum">
               <a:rPr lang="ja-JP" altLang="en-US" smtClean="0"/>
+              <a:pPr/>
               <a:t>‹#›</a:t>
             </a:fld>
             <a:endParaRPr lang="ja-JP" altLang="en-US"/>
@@ -889,6 +896,7 @@
           <a:p>
             <a:fld id="{CE9DF33F-7E89-EF4F-A0A0-2CA57A42C62D}" type="datetimeFigureOut">
               <a:rPr lang="ja-JP" altLang="en-US" smtClean="0"/>
+              <a:pPr/>
               <a:t>16.1.5</a:t>
             </a:fld>
             <a:endParaRPr lang="ja-JP" altLang="en-US"/>
@@ -931,6 +939,7 @@
           <a:p>
             <a:fld id="{7F8EB6BC-57B8-234C-B0CF-3C507BE63FFE}" type="slidenum">
               <a:rPr lang="ja-JP" altLang="en-US" smtClean="0"/>
+              <a:pPr/>
               <a:t>‹#›</a:t>
             </a:fld>
             <a:endParaRPr lang="ja-JP" altLang="en-US"/>
@@ -1130,6 +1139,7 @@
           <a:p>
             <a:fld id="{CE9DF33F-7E89-EF4F-A0A0-2CA57A42C62D}" type="datetimeFigureOut">
               <a:rPr lang="ja-JP" altLang="en-US" smtClean="0"/>
+              <a:pPr/>
               <a:t>16.1.5</a:t>
             </a:fld>
             <a:endParaRPr lang="ja-JP" altLang="en-US"/>
@@ -1172,6 +1182,7 @@
           <a:p>
             <a:fld id="{7F8EB6BC-57B8-234C-B0CF-3C507BE63FFE}" type="slidenum">
               <a:rPr lang="ja-JP" altLang="en-US" smtClean="0"/>
+              <a:pPr/>
               <a:t>‹#›</a:t>
             </a:fld>
             <a:endParaRPr lang="ja-JP" altLang="en-US"/>
@@ -1477,6 +1488,7 @@
           <a:p>
             <a:fld id="{CE9DF33F-7E89-EF4F-A0A0-2CA57A42C62D}" type="datetimeFigureOut">
               <a:rPr lang="ja-JP" altLang="en-US" smtClean="0"/>
+              <a:pPr/>
               <a:t>16.1.5</a:t>
             </a:fld>
             <a:endParaRPr lang="ja-JP" altLang="en-US"/>
@@ -1519,6 +1531,7 @@
           <a:p>
             <a:fld id="{7F8EB6BC-57B8-234C-B0CF-3C507BE63FFE}" type="slidenum">
               <a:rPr lang="ja-JP" altLang="en-US" smtClean="0"/>
+              <a:pPr/>
               <a:t>‹#›</a:t>
             </a:fld>
             <a:endParaRPr lang="ja-JP" altLang="en-US"/>
@@ -1958,6 +1971,7 @@
           <a:p>
             <a:fld id="{CE9DF33F-7E89-EF4F-A0A0-2CA57A42C62D}" type="datetimeFigureOut">
               <a:rPr lang="ja-JP" altLang="en-US" smtClean="0"/>
+              <a:pPr/>
               <a:t>16.1.5</a:t>
             </a:fld>
             <a:endParaRPr lang="ja-JP" altLang="en-US"/>
@@ -2000,6 +2014,7 @@
           <a:p>
             <a:fld id="{7F8EB6BC-57B8-234C-B0CF-3C507BE63FFE}" type="slidenum">
               <a:rPr lang="ja-JP" altLang="en-US" smtClean="0"/>
+              <a:pPr/>
               <a:t>‹#›</a:t>
             </a:fld>
             <a:endParaRPr lang="ja-JP" altLang="en-US"/>
@@ -2071,6 +2086,7 @@
           <a:p>
             <a:fld id="{CE9DF33F-7E89-EF4F-A0A0-2CA57A42C62D}" type="datetimeFigureOut">
               <a:rPr lang="ja-JP" altLang="en-US" smtClean="0"/>
+              <a:pPr/>
               <a:t>16.1.5</a:t>
             </a:fld>
             <a:endParaRPr lang="ja-JP" altLang="en-US"/>
@@ -2113,6 +2129,7 @@
           <a:p>
             <a:fld id="{7F8EB6BC-57B8-234C-B0CF-3C507BE63FFE}" type="slidenum">
               <a:rPr lang="ja-JP" altLang="en-US" smtClean="0"/>
+              <a:pPr/>
               <a:t>‹#›</a:t>
             </a:fld>
             <a:endParaRPr lang="ja-JP" altLang="en-US"/>
@@ -2161,6 +2178,7 @@
           <a:p>
             <a:fld id="{CE9DF33F-7E89-EF4F-A0A0-2CA57A42C62D}" type="datetimeFigureOut">
               <a:rPr lang="ja-JP" altLang="en-US" smtClean="0"/>
+              <a:pPr/>
               <a:t>16.1.5</a:t>
             </a:fld>
             <a:endParaRPr lang="ja-JP" altLang="en-US"/>
@@ -2203,6 +2221,7 @@
           <a:p>
             <a:fld id="{7F8EB6BC-57B8-234C-B0CF-3C507BE63FFE}" type="slidenum">
               <a:rPr lang="ja-JP" altLang="en-US" smtClean="0"/>
+              <a:pPr/>
               <a:t>‹#›</a:t>
             </a:fld>
             <a:endParaRPr lang="ja-JP" altLang="en-US"/>
@@ -2465,6 +2484,7 @@
           <a:p>
             <a:fld id="{CE9DF33F-7E89-EF4F-A0A0-2CA57A42C62D}" type="datetimeFigureOut">
               <a:rPr lang="ja-JP" altLang="en-US" smtClean="0"/>
+              <a:pPr/>
               <a:t>16.1.5</a:t>
             </a:fld>
             <a:endParaRPr lang="ja-JP" altLang="en-US"/>
@@ -2507,6 +2527,7 @@
           <a:p>
             <a:fld id="{7F8EB6BC-57B8-234C-B0CF-3C507BE63FFE}" type="slidenum">
               <a:rPr lang="ja-JP" altLang="en-US" smtClean="0"/>
+              <a:pPr/>
               <a:t>‹#›</a:t>
             </a:fld>
             <a:endParaRPr lang="ja-JP" altLang="en-US"/>
@@ -2713,6 +2734,7 @@
           <a:p>
             <a:fld id="{CE9DF33F-7E89-EF4F-A0A0-2CA57A42C62D}" type="datetimeFigureOut">
               <a:rPr lang="ja-JP" altLang="en-US" smtClean="0"/>
+              <a:pPr/>
               <a:t>16.1.5</a:t>
             </a:fld>
             <a:endParaRPr lang="ja-JP" altLang="en-US"/>
@@ -2755,6 +2777,7 @@
           <a:p>
             <a:fld id="{7F8EB6BC-57B8-234C-B0CF-3C507BE63FFE}" type="slidenum">
               <a:rPr lang="ja-JP" altLang="en-US" smtClean="0"/>
+              <a:pPr/>
               <a:t>‹#›</a:t>
             </a:fld>
             <a:endParaRPr lang="ja-JP" altLang="en-US"/>
@@ -2953,6 +2976,7 @@
           <a:p>
             <a:fld id="{CE9DF33F-7E89-EF4F-A0A0-2CA57A42C62D}" type="datetimeFigureOut">
               <a:rPr lang="ja-JP" altLang="en-US" smtClean="0"/>
+              <a:pPr/>
               <a:t>16.1.5</a:t>
             </a:fld>
             <a:endParaRPr lang="ja-JP" altLang="en-US"/>
@@ -3031,6 +3055,7 @@
           <a:p>
             <a:fld id="{7F8EB6BC-57B8-234C-B0CF-3C507BE63FFE}" type="slidenum">
               <a:rPr lang="ja-JP" altLang="en-US" smtClean="0"/>
+              <a:pPr/>
               <a:t>‹#›</a:t>
             </a:fld>
             <a:endParaRPr lang="ja-JP" altLang="en-US"/>
@@ -3491,14 +3516,14 @@
           <a:p>
             <a:pPr algn="r"/>
             <a:r>
-              <a:rPr kumimoji="1" lang="en-US" altLang="ja-JP" dirty="0" smtClean="0">
+              <a:rPr kumimoji="1" lang="en-US" altLang="ja-JP" sz="1400" dirty="0" smtClean="0">
                 <a:solidFill>
                   <a:srgbClr val="000000"/>
                 </a:solidFill>
               </a:rPr>
               <a:t>NFS (Share)</a:t>
             </a:r>
-            <a:endParaRPr kumimoji="1" lang="ja-JP" altLang="en-US" dirty="0">
+            <a:endParaRPr kumimoji="1" lang="ja-JP" altLang="en-US" sz="1400" dirty="0">
               <a:solidFill>
                 <a:srgbClr val="000000"/>
               </a:solidFill>
@@ -3547,14 +3572,14 @@
           <a:p>
             <a:pPr algn="ctr"/>
             <a:r>
-              <a:rPr kumimoji="1" lang="en-US" altLang="ja-JP" dirty="0" smtClean="0">
+              <a:rPr kumimoji="1" lang="en-US" altLang="ja-JP" sz="1400" dirty="0" smtClean="0">
                 <a:solidFill>
                   <a:schemeClr val="tx1"/>
                 </a:solidFill>
               </a:rPr>
               <a:t>Database</a:t>
             </a:r>
-            <a:endParaRPr kumimoji="1" lang="ja-JP" altLang="en-US" dirty="0">
+            <a:endParaRPr kumimoji="1" lang="ja-JP" altLang="en-US" sz="1400" dirty="0">
               <a:solidFill>
                 <a:schemeClr val="tx1"/>
               </a:solidFill>
@@ -3600,14 +3625,14 @@
           <a:p>
             <a:pPr algn="ctr"/>
             <a:r>
-              <a:rPr kumimoji="1" lang="en-US" altLang="ja-JP" dirty="0" err="1" smtClean="0">
+              <a:rPr kumimoji="1" lang="en-US" altLang="ja-JP" sz="1400" dirty="0" err="1" smtClean="0">
                 <a:solidFill>
                   <a:schemeClr val="tx1"/>
                 </a:solidFill>
               </a:rPr>
               <a:t>RRDtool</a:t>
             </a:r>
-            <a:endParaRPr kumimoji="1" lang="en-US" altLang="ja-JP" dirty="0" smtClean="0">
+            <a:endParaRPr kumimoji="1" lang="en-US" altLang="ja-JP" sz="1400" dirty="0" smtClean="0">
               <a:solidFill>
                 <a:schemeClr val="tx1"/>
               </a:solidFill>
@@ -3616,14 +3641,14 @@
           <a:p>
             <a:pPr algn="ctr"/>
             <a:r>
-              <a:rPr lang="en-US" altLang="ja-JP" dirty="0" smtClean="0">
+              <a:rPr lang="en-US" altLang="ja-JP" sz="1400" dirty="0" smtClean="0">
                 <a:solidFill>
                   <a:schemeClr val="tx1"/>
                 </a:solidFill>
               </a:rPr>
               <a:t>for #1</a:t>
             </a:r>
-            <a:endParaRPr kumimoji="1" lang="ja-JP" altLang="en-US" dirty="0">
+            <a:endParaRPr kumimoji="1" lang="ja-JP" altLang="en-US" sz="1400" dirty="0">
               <a:solidFill>
                 <a:schemeClr val="tx1"/>
               </a:solidFill>
@@ -3672,14 +3697,14 @@
           <a:p>
             <a:pPr algn="ctr"/>
             <a:r>
-              <a:rPr kumimoji="1" lang="en-US" altLang="ja-JP" dirty="0" smtClean="0">
+              <a:rPr kumimoji="1" lang="en-US" altLang="ja-JP" sz="1400" dirty="0" smtClean="0">
                 <a:solidFill>
                   <a:schemeClr val="tx1"/>
                 </a:solidFill>
               </a:rPr>
               <a:t>Cacti</a:t>
             </a:r>
-            <a:endParaRPr kumimoji="1" lang="ja-JP" altLang="en-US" dirty="0">
+            <a:endParaRPr kumimoji="1" lang="ja-JP" altLang="en-US" sz="1400" dirty="0">
               <a:solidFill>
                 <a:schemeClr val="tx1"/>
               </a:solidFill>
@@ -3725,14 +3750,14 @@
           <a:p>
             <a:pPr algn="ctr"/>
             <a:r>
-              <a:rPr kumimoji="1" lang="en-US" altLang="ja-JP" dirty="0" err="1" smtClean="0">
+              <a:rPr kumimoji="1" lang="en-US" altLang="ja-JP" sz="1400" dirty="0" err="1" smtClean="0">
                 <a:solidFill>
                   <a:schemeClr val="tx1"/>
                 </a:solidFill>
               </a:rPr>
               <a:t>RRDtool</a:t>
             </a:r>
-            <a:endParaRPr kumimoji="1" lang="en-US" altLang="ja-JP" dirty="0" smtClean="0">
+            <a:endParaRPr kumimoji="1" lang="en-US" altLang="ja-JP" sz="1400" dirty="0" smtClean="0">
               <a:solidFill>
                 <a:schemeClr val="tx1"/>
               </a:solidFill>
@@ -3741,14 +3766,14 @@
           <a:p>
             <a:pPr algn="ctr"/>
             <a:r>
-              <a:rPr lang="en-US" altLang="ja-JP" dirty="0" smtClean="0">
+              <a:rPr lang="en-US" altLang="ja-JP" sz="1400" dirty="0" smtClean="0">
                 <a:solidFill>
                   <a:schemeClr val="tx1"/>
                 </a:solidFill>
               </a:rPr>
               <a:t>for #2</a:t>
             </a:r>
-            <a:endParaRPr kumimoji="1" lang="ja-JP" altLang="en-US" dirty="0">
+            <a:endParaRPr kumimoji="1" lang="ja-JP" altLang="en-US" sz="1400" dirty="0">
               <a:solidFill>
                 <a:schemeClr val="tx1"/>
               </a:solidFill>
@@ -3799,14 +3824,14 @@
           <a:p>
             <a:pPr algn="ctr"/>
             <a:r>
-              <a:rPr kumimoji="1" lang="en-US" altLang="ja-JP" dirty="0" smtClean="0">
+              <a:rPr kumimoji="1" lang="en-US" altLang="ja-JP" sz="1400" dirty="0" smtClean="0">
                 <a:solidFill>
                   <a:srgbClr val="000000"/>
                 </a:solidFill>
               </a:rPr>
               <a:t>Router #1</a:t>
             </a:r>
-            <a:endParaRPr kumimoji="1" lang="ja-JP" altLang="en-US" dirty="0">
+            <a:endParaRPr kumimoji="1" lang="ja-JP" altLang="en-US" sz="1400" dirty="0">
               <a:solidFill>
                 <a:srgbClr val="000000"/>
               </a:solidFill>
@@ -3857,14 +3882,14 @@
           <a:p>
             <a:pPr algn="ctr"/>
             <a:r>
-              <a:rPr lang="en-US" altLang="ja-JP" dirty="0" smtClean="0">
+              <a:rPr lang="en-US" altLang="ja-JP" sz="1400" dirty="0" smtClean="0">
                 <a:solidFill>
                   <a:srgbClr val="000000"/>
                 </a:solidFill>
               </a:rPr>
               <a:t>Router #2</a:t>
             </a:r>
-            <a:endParaRPr kumimoji="1" lang="ja-JP" altLang="en-US" dirty="0">
+            <a:endParaRPr kumimoji="1" lang="ja-JP" altLang="en-US" sz="1400" dirty="0">
               <a:solidFill>
                 <a:srgbClr val="000000"/>
               </a:solidFill>
@@ -4155,14 +4180,14 @@
           <a:p>
             <a:pPr algn="r"/>
             <a:r>
-              <a:rPr kumimoji="1" lang="en-US" altLang="ja-JP" dirty="0" smtClean="0">
+              <a:rPr kumimoji="1" lang="en-US" altLang="ja-JP" sz="1400" dirty="0" smtClean="0">
                 <a:solidFill>
                   <a:srgbClr val="000000"/>
                 </a:solidFill>
               </a:rPr>
               <a:t>NFS (Share)</a:t>
             </a:r>
-            <a:endParaRPr kumimoji="1" lang="ja-JP" altLang="en-US" dirty="0">
+            <a:endParaRPr kumimoji="1" lang="ja-JP" altLang="en-US" sz="1400" dirty="0">
               <a:solidFill>
                 <a:srgbClr val="000000"/>
               </a:solidFill>
@@ -4211,14 +4236,14 @@
           <a:p>
             <a:pPr algn="ctr"/>
             <a:r>
-              <a:rPr kumimoji="1" lang="en-US" altLang="ja-JP" dirty="0" smtClean="0">
+              <a:rPr kumimoji="1" lang="en-US" altLang="ja-JP" sz="1400" dirty="0" smtClean="0">
                 <a:solidFill>
                   <a:schemeClr val="tx1"/>
                 </a:solidFill>
               </a:rPr>
               <a:t>Database</a:t>
             </a:r>
-            <a:endParaRPr kumimoji="1" lang="ja-JP" altLang="en-US" dirty="0">
+            <a:endParaRPr kumimoji="1" lang="ja-JP" altLang="en-US" sz="1400" dirty="0">
               <a:solidFill>
                 <a:schemeClr val="tx1"/>
               </a:solidFill>
@@ -4264,14 +4289,14 @@
           <a:p>
             <a:pPr algn="ctr"/>
             <a:r>
-              <a:rPr kumimoji="1" lang="en-US" altLang="ja-JP" dirty="0" err="1" smtClean="0">
+              <a:rPr kumimoji="1" lang="en-US" altLang="ja-JP" sz="1400" dirty="0" err="1" smtClean="0">
                 <a:solidFill>
                   <a:schemeClr val="tx1"/>
                 </a:solidFill>
               </a:rPr>
               <a:t>RRDtool</a:t>
             </a:r>
-            <a:endParaRPr kumimoji="1" lang="en-US" altLang="ja-JP" dirty="0" smtClean="0">
+            <a:endParaRPr kumimoji="1" lang="en-US" altLang="ja-JP" sz="1400" dirty="0" smtClean="0">
               <a:solidFill>
                 <a:schemeClr val="tx1"/>
               </a:solidFill>
@@ -4280,14 +4305,14 @@
           <a:p>
             <a:pPr algn="ctr"/>
             <a:r>
-              <a:rPr lang="en-US" altLang="ja-JP" dirty="0" smtClean="0">
+              <a:rPr lang="en-US" altLang="ja-JP" sz="1400" dirty="0" smtClean="0">
                 <a:solidFill>
                   <a:schemeClr val="tx1"/>
                 </a:solidFill>
               </a:rPr>
               <a:t>for #3</a:t>
             </a:r>
-            <a:endParaRPr kumimoji="1" lang="ja-JP" altLang="en-US" dirty="0">
+            <a:endParaRPr kumimoji="1" lang="ja-JP" altLang="en-US" sz="1400" dirty="0">
               <a:solidFill>
                 <a:schemeClr val="tx1"/>
               </a:solidFill>
@@ -4389,14 +4414,14 @@
           <a:p>
             <a:pPr algn="ctr"/>
             <a:r>
-              <a:rPr kumimoji="1" lang="en-US" altLang="ja-JP" dirty="0" err="1" smtClean="0">
+              <a:rPr kumimoji="1" lang="en-US" altLang="ja-JP" sz="1400" dirty="0" err="1" smtClean="0">
                 <a:solidFill>
                   <a:schemeClr val="tx1"/>
                 </a:solidFill>
               </a:rPr>
               <a:t>RRDtool</a:t>
             </a:r>
-            <a:endParaRPr kumimoji="1" lang="en-US" altLang="ja-JP" dirty="0" smtClean="0">
+            <a:endParaRPr kumimoji="1" lang="en-US" altLang="ja-JP" sz="1400" dirty="0" smtClean="0">
               <a:solidFill>
                 <a:schemeClr val="tx1"/>
               </a:solidFill>
@@ -4405,14 +4430,14 @@
           <a:p>
             <a:pPr algn="ctr"/>
             <a:r>
-              <a:rPr lang="en-US" altLang="ja-JP" dirty="0" smtClean="0">
+              <a:rPr lang="en-US" altLang="ja-JP" sz="1400" dirty="0" smtClean="0">
                 <a:solidFill>
                   <a:schemeClr val="tx1"/>
                 </a:solidFill>
               </a:rPr>
               <a:t>for #4</a:t>
             </a:r>
-            <a:endParaRPr kumimoji="1" lang="ja-JP" altLang="en-US" dirty="0">
+            <a:endParaRPr kumimoji="1" lang="ja-JP" altLang="en-US" sz="1400" dirty="0">
               <a:solidFill>
                 <a:schemeClr val="tx1"/>
               </a:solidFill>
@@ -4463,14 +4488,14 @@
           <a:p>
             <a:pPr algn="ctr"/>
             <a:r>
-              <a:rPr kumimoji="1" lang="en-US" altLang="ja-JP" dirty="0" smtClean="0">
+              <a:rPr kumimoji="1" lang="en-US" altLang="ja-JP" sz="1400" dirty="0" smtClean="0">
                 <a:solidFill>
                   <a:srgbClr val="000000"/>
                 </a:solidFill>
               </a:rPr>
               <a:t>Router #3</a:t>
             </a:r>
-            <a:endParaRPr kumimoji="1" lang="ja-JP" altLang="en-US" dirty="0">
+            <a:endParaRPr kumimoji="1" lang="ja-JP" altLang="en-US" sz="1400" dirty="0">
               <a:solidFill>
                 <a:srgbClr val="000000"/>
               </a:solidFill>
@@ -4521,14 +4546,14 @@
           <a:p>
             <a:pPr algn="ctr"/>
             <a:r>
-              <a:rPr lang="en-US" altLang="ja-JP" dirty="0" smtClean="0">
+              <a:rPr lang="en-US" altLang="ja-JP" sz="1400" dirty="0" smtClean="0">
                 <a:solidFill>
                   <a:srgbClr val="000000"/>
                 </a:solidFill>
               </a:rPr>
               <a:t>Router #4</a:t>
             </a:r>
-            <a:endParaRPr kumimoji="1" lang="ja-JP" altLang="en-US" dirty="0">
+            <a:endParaRPr kumimoji="1" lang="ja-JP" altLang="en-US" sz="1400" dirty="0">
               <a:solidFill>
                 <a:srgbClr val="000000"/>
               </a:solidFill>
@@ -4769,14 +4794,14 @@
           <a:p>
             <a:pPr algn="r"/>
             <a:r>
-              <a:rPr kumimoji="1" lang="en-US" altLang="ja-JP" dirty="0" smtClean="0">
+              <a:rPr kumimoji="1" lang="en-US" altLang="ja-JP" sz="1400" dirty="0" smtClean="0">
                 <a:solidFill>
                   <a:srgbClr val="000000"/>
                 </a:solidFill>
               </a:rPr>
               <a:t>NFS (Mount)</a:t>
             </a:r>
-            <a:endParaRPr kumimoji="1" lang="ja-JP" altLang="en-US" dirty="0">
+            <a:endParaRPr kumimoji="1" lang="ja-JP" altLang="en-US" sz="1400" dirty="0">
               <a:solidFill>
                 <a:srgbClr val="000000"/>
               </a:solidFill>
@@ -4792,7 +4817,7 @@
         </p:nvSpPr>
         <p:spPr>
           <a:xfrm>
-            <a:off x="2805209" y="4349736"/>
+            <a:off x="2805209" y="4793616"/>
             <a:ext cx="916384" cy="683635"/>
           </a:xfrm>
           <a:prstGeom prst="can">
@@ -4825,14 +4850,14 @@
           <a:p>
             <a:pPr algn="ctr"/>
             <a:r>
-              <a:rPr kumimoji="1" lang="en-US" altLang="ja-JP" dirty="0" smtClean="0">
+              <a:rPr kumimoji="1" lang="en-US" altLang="ja-JP" sz="1400" dirty="0" smtClean="0">
                 <a:solidFill>
                   <a:schemeClr val="tx1"/>
                 </a:solidFill>
               </a:rPr>
               <a:t>Database</a:t>
             </a:r>
-            <a:endParaRPr kumimoji="1" lang="ja-JP" altLang="en-US" dirty="0">
+            <a:endParaRPr kumimoji="1" lang="ja-JP" altLang="en-US" sz="1400" dirty="0">
               <a:solidFill>
                 <a:schemeClr val="tx1"/>
               </a:solidFill>
@@ -4893,14 +4918,14 @@
           <a:p>
             <a:pPr algn="ctr"/>
             <a:r>
-              <a:rPr kumimoji="1" lang="en-US" altLang="ja-JP" dirty="0" err="1" smtClean="0">
+              <a:rPr kumimoji="1" lang="en-US" altLang="ja-JP" sz="1400" dirty="0" err="1" smtClean="0">
                 <a:solidFill>
                   <a:schemeClr val="tx1"/>
                 </a:solidFill>
               </a:rPr>
               <a:t>RRDtool</a:t>
             </a:r>
-            <a:endParaRPr kumimoji="1" lang="en-US" altLang="ja-JP" dirty="0" smtClean="0">
+            <a:endParaRPr kumimoji="1" lang="en-US" altLang="ja-JP" sz="1400" dirty="0" smtClean="0">
               <a:solidFill>
                 <a:schemeClr val="tx1"/>
               </a:solidFill>
@@ -4909,7 +4934,7 @@
           <a:p>
             <a:pPr algn="ctr"/>
             <a:r>
-              <a:rPr kumimoji="1" lang="en-US" altLang="ja-JP" dirty="0" smtClean="0">
+              <a:rPr kumimoji="1" lang="en-US" altLang="ja-JP" sz="1400" dirty="0" smtClean="0">
                 <a:solidFill>
                   <a:schemeClr val="tx1"/>
                 </a:solidFill>
@@ -4917,14 +4942,14 @@
               <a:t>for </a:t>
             </a:r>
             <a:r>
-              <a:rPr lang="en-US" altLang="ja-JP" dirty="0" smtClean="0">
+              <a:rPr lang="en-US" altLang="ja-JP" sz="1400" dirty="0" smtClean="0">
                 <a:solidFill>
                   <a:schemeClr val="tx1"/>
                 </a:solidFill>
               </a:rPr>
               <a:t>#1</a:t>
             </a:r>
-            <a:endParaRPr kumimoji="1" lang="ja-JP" altLang="en-US" dirty="0">
+            <a:endParaRPr kumimoji="1" lang="ja-JP" altLang="en-US" sz="1400" dirty="0">
               <a:solidFill>
                 <a:schemeClr val="tx1"/>
               </a:solidFill>
@@ -4985,14 +5010,14 @@
           <a:p>
             <a:pPr algn="ctr"/>
             <a:r>
-              <a:rPr kumimoji="1" lang="en-US" altLang="ja-JP" dirty="0" err="1" smtClean="0">
+              <a:rPr kumimoji="1" lang="en-US" altLang="ja-JP" sz="1400" dirty="0" err="1" smtClean="0">
                 <a:solidFill>
                   <a:schemeClr val="tx1"/>
                 </a:solidFill>
               </a:rPr>
               <a:t>RRDtool</a:t>
             </a:r>
-            <a:endParaRPr kumimoji="1" lang="en-US" altLang="ja-JP" dirty="0" smtClean="0">
+            <a:endParaRPr kumimoji="1" lang="en-US" altLang="ja-JP" sz="1400" dirty="0" smtClean="0">
               <a:solidFill>
                 <a:schemeClr val="tx1"/>
               </a:solidFill>
@@ -5001,14 +5026,14 @@
           <a:p>
             <a:pPr algn="ctr"/>
             <a:r>
-              <a:rPr lang="en-US" altLang="ja-JP" dirty="0" smtClean="0">
+              <a:rPr lang="en-US" altLang="ja-JP" sz="1400" dirty="0" smtClean="0">
                 <a:solidFill>
                   <a:schemeClr val="tx1"/>
                 </a:solidFill>
               </a:rPr>
               <a:t>for #2</a:t>
             </a:r>
-            <a:endParaRPr kumimoji="1" lang="ja-JP" altLang="en-US" dirty="0">
+            <a:endParaRPr kumimoji="1" lang="ja-JP" altLang="en-US" sz="1400" dirty="0">
               <a:solidFill>
                 <a:schemeClr val="tx1"/>
               </a:solidFill>
@@ -5069,14 +5094,14 @@
           <a:p>
             <a:pPr algn="r"/>
             <a:r>
-              <a:rPr kumimoji="1" lang="en-US" altLang="ja-JP" dirty="0" smtClean="0">
+              <a:rPr kumimoji="1" lang="en-US" altLang="ja-JP" sz="1400" dirty="0" smtClean="0">
                 <a:solidFill>
                   <a:srgbClr val="000000"/>
                 </a:solidFill>
               </a:rPr>
               <a:t>NFS (Mount)</a:t>
             </a:r>
-            <a:endParaRPr kumimoji="1" lang="ja-JP" altLang="en-US" dirty="0">
+            <a:endParaRPr kumimoji="1" lang="ja-JP" altLang="en-US" sz="1400" dirty="0">
               <a:solidFill>
                 <a:srgbClr val="000000"/>
               </a:solidFill>
@@ -5137,14 +5162,14 @@
           <a:p>
             <a:pPr algn="ctr"/>
             <a:r>
-              <a:rPr kumimoji="1" lang="en-US" altLang="ja-JP" dirty="0" err="1" smtClean="0">
+              <a:rPr kumimoji="1" lang="en-US" altLang="ja-JP" sz="1400" dirty="0" err="1" smtClean="0">
                 <a:solidFill>
                   <a:schemeClr val="tx1"/>
                 </a:solidFill>
               </a:rPr>
               <a:t>RRDtool</a:t>
             </a:r>
-            <a:endParaRPr kumimoji="1" lang="en-US" altLang="ja-JP" dirty="0" smtClean="0">
+            <a:endParaRPr kumimoji="1" lang="en-US" altLang="ja-JP" sz="1400" dirty="0" smtClean="0">
               <a:solidFill>
                 <a:schemeClr val="tx1"/>
               </a:solidFill>
@@ -5153,14 +5178,14 @@
           <a:p>
             <a:pPr algn="ctr"/>
             <a:r>
-              <a:rPr lang="en-US" altLang="ja-JP" dirty="0" smtClean="0">
+              <a:rPr lang="en-US" altLang="ja-JP" sz="1400" dirty="0" smtClean="0">
                 <a:solidFill>
                   <a:schemeClr val="tx1"/>
                 </a:solidFill>
               </a:rPr>
               <a:t>for #3</a:t>
             </a:r>
-            <a:endParaRPr kumimoji="1" lang="ja-JP" altLang="en-US" dirty="0">
+            <a:endParaRPr kumimoji="1" lang="ja-JP" altLang="en-US" sz="1400" dirty="0">
               <a:solidFill>
                 <a:schemeClr val="tx1"/>
               </a:solidFill>
@@ -5221,14 +5246,14 @@
           <a:p>
             <a:pPr algn="ctr"/>
             <a:r>
-              <a:rPr kumimoji="1" lang="en-US" altLang="ja-JP" dirty="0" err="1" smtClean="0">
+              <a:rPr kumimoji="1" lang="en-US" altLang="ja-JP" sz="1400" dirty="0" err="1" smtClean="0">
                 <a:solidFill>
                   <a:schemeClr val="tx1"/>
                 </a:solidFill>
               </a:rPr>
               <a:t>RRDtool</a:t>
             </a:r>
-            <a:endParaRPr kumimoji="1" lang="en-US" altLang="ja-JP" dirty="0" smtClean="0">
+            <a:endParaRPr kumimoji="1" lang="en-US" altLang="ja-JP" sz="1400" dirty="0" smtClean="0">
               <a:solidFill>
                 <a:schemeClr val="tx1"/>
               </a:solidFill>
@@ -5237,14 +5262,14 @@
           <a:p>
             <a:pPr algn="ctr"/>
             <a:r>
-              <a:rPr lang="en-US" altLang="ja-JP" dirty="0" smtClean="0">
+              <a:rPr lang="en-US" altLang="ja-JP" sz="1400" dirty="0" smtClean="0">
                 <a:solidFill>
                   <a:schemeClr val="tx1"/>
                 </a:solidFill>
               </a:rPr>
               <a:t>for #4</a:t>
             </a:r>
-            <a:endParaRPr kumimoji="1" lang="ja-JP" altLang="en-US" dirty="0">
+            <a:endParaRPr kumimoji="1" lang="ja-JP" altLang="en-US" sz="1400" dirty="0">
               <a:solidFill>
                 <a:schemeClr val="tx1"/>
               </a:solidFill>
@@ -5451,14 +5476,14 @@
           <a:p>
             <a:pPr algn="ctr"/>
             <a:r>
-              <a:rPr kumimoji="1" lang="en-US" altLang="ja-JP" dirty="0" smtClean="0">
+              <a:rPr kumimoji="1" lang="en-US" altLang="ja-JP" sz="1400" dirty="0" smtClean="0">
                 <a:solidFill>
                   <a:schemeClr val="tx1"/>
                 </a:solidFill>
               </a:rPr>
               <a:t>Cacti</a:t>
             </a:r>
-            <a:endParaRPr kumimoji="1" lang="ja-JP" altLang="en-US" dirty="0">
+            <a:endParaRPr kumimoji="1" lang="ja-JP" altLang="en-US" sz="1400" dirty="0">
               <a:solidFill>
                 <a:schemeClr val="tx1"/>
               </a:solidFill>
@@ -5624,80 +5649,6 @@
           </a:p>
         </p:txBody>
       </p:sp>
-      <p:cxnSp>
-        <p:nvCxnSpPr>
-          <p:cNvPr id="53" name="直線矢印コネクタ 52"/>
-          <p:cNvCxnSpPr/>
-          <p:nvPr/>
-        </p:nvCxnSpPr>
-        <p:spPr>
-          <a:xfrm rot="16200000" flipH="1">
-            <a:off x="1936004" y="3321795"/>
-            <a:ext cx="1447800" cy="1052609"/>
-          </a:xfrm>
-          <a:prstGeom prst="straightConnector1">
-            <a:avLst/>
-          </a:prstGeom>
-          <a:ln>
-            <a:solidFill>
-              <a:srgbClr val="FF0000"/>
-            </a:solidFill>
-            <a:tailEnd type="arrow"/>
-          </a:ln>
-        </p:spPr>
-        <p:style>
-          <a:lnRef idx="2">
-            <a:schemeClr val="accent1"/>
-          </a:lnRef>
-          <a:fillRef idx="0">
-            <a:schemeClr val="accent1"/>
-          </a:fillRef>
-          <a:effectRef idx="1">
-            <a:schemeClr val="accent1"/>
-          </a:effectRef>
-          <a:fontRef idx="minor">
-            <a:schemeClr val="tx1"/>
-          </a:fontRef>
-        </p:style>
-      </p:cxnSp>
-      <p:cxnSp>
-        <p:nvCxnSpPr>
-          <p:cNvPr id="57" name="直線矢印コネクタ 56"/>
-          <p:cNvCxnSpPr>
-            <a:endCxn id="46" idx="0"/>
-          </p:cNvCxnSpPr>
-          <p:nvPr/>
-        </p:nvCxnSpPr>
-        <p:spPr>
-          <a:xfrm rot="10800000" flipV="1">
-            <a:off x="3263402" y="3124199"/>
-            <a:ext cx="2603999" cy="1396445"/>
-          </a:xfrm>
-          <a:prstGeom prst="straightConnector1">
-            <a:avLst/>
-          </a:prstGeom>
-          <a:ln>
-            <a:solidFill>
-              <a:srgbClr val="FF0000"/>
-            </a:solidFill>
-            <a:tailEnd type="arrow"/>
-          </a:ln>
-        </p:spPr>
-        <p:style>
-          <a:lnRef idx="2">
-            <a:schemeClr val="accent1"/>
-          </a:lnRef>
-          <a:fillRef idx="0">
-            <a:schemeClr val="accent1"/>
-          </a:fillRef>
-          <a:effectRef idx="1">
-            <a:schemeClr val="accent1"/>
-          </a:effectRef>
-          <a:fontRef idx="minor">
-            <a:schemeClr val="tx1"/>
-          </a:fontRef>
-        </p:style>
-      </p:cxnSp>
       <p:grpSp>
         <p:nvGrpSpPr>
           <p:cNvPr id="109" name="図形グループ 108"/>
@@ -7871,8 +7822,8 @@
         </p:nvCxnSpPr>
         <p:spPr>
           <a:xfrm rot="10800000">
-            <a:off x="3414812" y="4953000"/>
-            <a:ext cx="1461989" cy="762000"/>
+            <a:off x="3581400" y="5334000"/>
+            <a:ext cx="1295402" cy="381000"/>
           </a:xfrm>
           <a:prstGeom prst="straightConnector1">
             <a:avLst/>
@@ -8051,8 +8002,8 @@
         </p:nvSpPr>
         <p:spPr>
           <a:xfrm>
-            <a:off x="2191296" y="3962400"/>
-            <a:ext cx="1165892" cy="253916"/>
+            <a:off x="3113861" y="4699084"/>
+            <a:ext cx="543739" cy="253916"/>
           </a:xfrm>
           <a:prstGeom prst="rect">
             <a:avLst/>
@@ -8067,7 +8018,7 @@
           <a:p>
             <a:r>
               <a:rPr kumimoji="1" lang="en-US" altLang="ja-JP" sz="1050" dirty="0" smtClean="0"/>
-              <a:t>Export and Merge</a:t>
+              <a:t>Merge</a:t>
             </a:r>
             <a:endParaRPr kumimoji="1" lang="ja-JP" altLang="en-US" sz="1050" dirty="0"/>
           </a:p>
@@ -8081,8 +8032,8 @@
         </p:nvSpPr>
         <p:spPr>
           <a:xfrm>
-            <a:off x="3352800" y="3962400"/>
-            <a:ext cx="1165892" cy="253916"/>
+            <a:off x="2658950" y="3962400"/>
+            <a:ext cx="542533" cy="253916"/>
           </a:xfrm>
           <a:prstGeom prst="rect">
             <a:avLst/>
@@ -8097,12 +8048,3143 @@
           <a:p>
             <a:r>
               <a:rPr kumimoji="1" lang="en-US" altLang="ja-JP" sz="1050" dirty="0" smtClean="0"/>
-              <a:t>Export and Merge</a:t>
+              <a:t>Export</a:t>
             </a:r>
             <a:endParaRPr kumimoji="1" lang="ja-JP" altLang="en-US" sz="1050" dirty="0"/>
           </a:p>
         </p:txBody>
       </p:sp>
+      <p:sp>
+        <p:nvSpPr>
+          <p:cNvPr id="145" name="円/楕円 144"/>
+          <p:cNvSpPr/>
+          <p:nvPr/>
+        </p:nvSpPr>
+        <p:spPr>
+          <a:xfrm>
+            <a:off x="2652513" y="4343400"/>
+            <a:ext cx="1357704" cy="404049"/>
+          </a:xfrm>
+          <a:prstGeom prst="ellipse">
+            <a:avLst/>
+          </a:prstGeom>
+          <a:solidFill>
+            <a:schemeClr val="accent4">
+              <a:lumMod val="60000"/>
+              <a:lumOff val="40000"/>
+            </a:schemeClr>
+          </a:solidFill>
+        </p:spPr>
+        <p:style>
+          <a:lnRef idx="1">
+            <a:schemeClr val="accent1"/>
+          </a:lnRef>
+          <a:fillRef idx="3">
+            <a:schemeClr val="accent1"/>
+          </a:fillRef>
+          <a:effectRef idx="2">
+            <a:schemeClr val="accent1"/>
+          </a:effectRef>
+          <a:fontRef idx="minor">
+            <a:schemeClr val="lt1"/>
+          </a:fontRef>
+        </p:style>
+        <p:txBody>
+          <a:bodyPr wrap="none" rtlCol="0" anchor="ctr"/>
+          <a:lstStyle/>
+          <a:p>
+            <a:pPr algn="ctr"/>
+            <a:r>
+              <a:rPr kumimoji="1" lang="en-US" altLang="ja-JP" sz="1400" dirty="0" smtClean="0">
+                <a:solidFill>
+                  <a:schemeClr val="tx1"/>
+                </a:solidFill>
+              </a:rPr>
+              <a:t>Cacti </a:t>
+            </a:r>
+            <a:r>
+              <a:rPr kumimoji="1" lang="en-US" altLang="ja-JP" sz="1400" dirty="0" smtClean="0">
+                <a:solidFill>
+                  <a:schemeClr val="tx1"/>
+                </a:solidFill>
+              </a:rPr>
+              <a:t>Collector</a:t>
+            </a:r>
+            <a:endParaRPr kumimoji="1" lang="ja-JP" altLang="en-US" sz="1400" dirty="0">
+              <a:solidFill>
+                <a:schemeClr val="tx1"/>
+              </a:solidFill>
+            </a:endParaRPr>
+          </a:p>
+        </p:txBody>
+      </p:sp>
+      <p:cxnSp>
+        <p:nvCxnSpPr>
+          <p:cNvPr id="53" name="直線矢印コネクタ 52"/>
+          <p:cNvCxnSpPr/>
+          <p:nvPr/>
+        </p:nvCxnSpPr>
+        <p:spPr>
+          <a:xfrm rot="16200000" flipH="1">
+            <a:off x="2019299" y="3238499"/>
+            <a:ext cx="1371602" cy="1143003"/>
+          </a:xfrm>
+          <a:prstGeom prst="straightConnector1">
+            <a:avLst/>
+          </a:prstGeom>
+          <a:ln>
+            <a:solidFill>
+              <a:srgbClr val="FF0000"/>
+            </a:solidFill>
+            <a:tailEnd type="arrow"/>
+          </a:ln>
+        </p:spPr>
+        <p:style>
+          <a:lnRef idx="2">
+            <a:schemeClr val="accent1"/>
+          </a:lnRef>
+          <a:fillRef idx="0">
+            <a:schemeClr val="accent1"/>
+          </a:fillRef>
+          <a:effectRef idx="1">
+            <a:schemeClr val="accent1"/>
+          </a:effectRef>
+          <a:fontRef idx="minor">
+            <a:schemeClr val="tx1"/>
+          </a:fontRef>
+        </p:style>
+      </p:cxnSp>
+      <p:cxnSp>
+        <p:nvCxnSpPr>
+          <p:cNvPr id="57" name="直線矢印コネクタ 56"/>
+          <p:cNvCxnSpPr/>
+          <p:nvPr/>
+        </p:nvCxnSpPr>
+        <p:spPr>
+          <a:xfrm rot="10800000" flipV="1">
+            <a:off x="3429000" y="3124198"/>
+            <a:ext cx="2514602" cy="1371601"/>
+          </a:xfrm>
+          <a:prstGeom prst="straightConnector1">
+            <a:avLst/>
+          </a:prstGeom>
+          <a:ln>
+            <a:solidFill>
+              <a:srgbClr val="FF0000"/>
+            </a:solidFill>
+            <a:tailEnd type="arrow"/>
+          </a:ln>
+        </p:spPr>
+        <p:style>
+          <a:lnRef idx="2">
+            <a:schemeClr val="accent1"/>
+          </a:lnRef>
+          <a:fillRef idx="0">
+            <a:schemeClr val="accent1"/>
+          </a:fillRef>
+          <a:effectRef idx="1">
+            <a:schemeClr val="accent1"/>
+          </a:effectRef>
+          <a:fontRef idx="minor">
+            <a:schemeClr val="tx1"/>
+          </a:fontRef>
+        </p:style>
+      </p:cxnSp>
+      <p:cxnSp>
+        <p:nvCxnSpPr>
+          <p:cNvPr id="152" name="直線矢印コネクタ 151"/>
+          <p:cNvCxnSpPr/>
+          <p:nvPr/>
+        </p:nvCxnSpPr>
+        <p:spPr>
+          <a:xfrm rot="5400000">
+            <a:off x="3127691" y="4818283"/>
+            <a:ext cx="436035" cy="138203"/>
+          </a:xfrm>
+          <a:prstGeom prst="straightConnector1">
+            <a:avLst/>
+          </a:prstGeom>
+          <a:ln>
+            <a:solidFill>
+              <a:srgbClr val="FF0000"/>
+            </a:solidFill>
+            <a:tailEnd type="arrow"/>
+          </a:ln>
+        </p:spPr>
+        <p:style>
+          <a:lnRef idx="2">
+            <a:schemeClr val="accent1"/>
+          </a:lnRef>
+          <a:fillRef idx="0">
+            <a:schemeClr val="accent1"/>
+          </a:fillRef>
+          <a:effectRef idx="1">
+            <a:schemeClr val="accent1"/>
+          </a:effectRef>
+          <a:fontRef idx="minor">
+            <a:schemeClr val="tx1"/>
+          </a:fontRef>
+        </p:style>
+      </p:cxnSp>
+      <p:sp>
+        <p:nvSpPr>
+          <p:cNvPr id="162" name="テキスト ボックス 161"/>
+          <p:cNvSpPr txBox="1"/>
+          <p:nvPr/>
+        </p:nvSpPr>
+        <p:spPr>
+          <a:xfrm>
+            <a:off x="3843676" y="3962400"/>
+            <a:ext cx="542533" cy="253916"/>
+          </a:xfrm>
+          <a:prstGeom prst="rect">
+            <a:avLst/>
+          </a:prstGeom>
+          <a:noFill/>
+        </p:spPr>
+        <p:txBody>
+          <a:bodyPr wrap="none" rtlCol="0">
+            <a:spAutoFit/>
+          </a:bodyPr>
+          <a:lstStyle/>
+          <a:p>
+            <a:r>
+              <a:rPr kumimoji="1" lang="en-US" altLang="ja-JP" sz="1050" dirty="0" smtClean="0"/>
+              <a:t>Export</a:t>
+            </a:r>
+            <a:endParaRPr kumimoji="1" lang="ja-JP" altLang="en-US" sz="1050" dirty="0"/>
+          </a:p>
+        </p:txBody>
+      </p:sp>
+    </p:spTree>
+  </p:cSld>
+  <p:clrMapOvr>
+    <a:masterClrMapping/>
+  </p:clrMapOvr>
+</p:sld>
+</file>
+
+<file path=ppt/slides/slide2.xml><?xml version="1.0" encoding="utf-8"?>
+<p:sld xmlns:a="http://schemas.openxmlformats.org/drawingml/2006/main" xmlns:r="http://schemas.openxmlformats.org/officeDocument/2006/relationships" xmlns:mc="http://schemas.openxmlformats.org/markup-compatibility/2006" xmlns:mv="urn:schemas-microsoft-com:mac:vml" xmlns:p="http://schemas.openxmlformats.org/presentationml/2006/main" mc:Ignorable="mv" mc:PreserveAttributes="mv:*">
+  <p:cSld>
+    <p:spTree>
+      <p:nvGrpSpPr>
+        <p:cNvPr id="1" name=""/>
+        <p:cNvGrpSpPr/>
+        <p:nvPr/>
+      </p:nvGrpSpPr>
+      <p:grpSpPr>
+        <a:xfrm>
+          <a:off x="0" y="0"/>
+          <a:ext cx="0" cy="0"/>
+          <a:chOff x="0" y="0"/>
+          <a:chExt cx="0" cy="0"/>
+        </a:xfrm>
+      </p:grpSpPr>
+      <p:sp>
+        <p:nvSpPr>
+          <p:cNvPr id="4" name="正方形/長方形 3"/>
+          <p:cNvSpPr/>
+          <p:nvPr/>
+        </p:nvSpPr>
+        <p:spPr>
+          <a:xfrm>
+            <a:off x="1556321" y="1143001"/>
+            <a:ext cx="3646144" cy="2362200"/>
+          </a:xfrm>
+          <a:prstGeom prst="rect">
+            <a:avLst/>
+          </a:prstGeom>
+          <a:solidFill>
+            <a:schemeClr val="accent6">
+              <a:lumMod val="60000"/>
+              <a:lumOff val="40000"/>
+            </a:schemeClr>
+          </a:solidFill>
+        </p:spPr>
+        <p:style>
+          <a:lnRef idx="1">
+            <a:schemeClr val="accent1"/>
+          </a:lnRef>
+          <a:fillRef idx="3">
+            <a:schemeClr val="accent1"/>
+          </a:fillRef>
+          <a:effectRef idx="2">
+            <a:schemeClr val="accent1"/>
+          </a:effectRef>
+          <a:fontRef idx="minor">
+            <a:schemeClr val="lt1"/>
+          </a:fontRef>
+        </p:style>
+        <p:txBody>
+          <a:bodyPr rtlCol="0" anchor="t"/>
+          <a:lstStyle/>
+          <a:p>
+            <a:r>
+              <a:rPr kumimoji="1" lang="en-US" altLang="ja-JP" dirty="0" smtClean="0">
+                <a:solidFill>
+                  <a:srgbClr val="000000"/>
+                </a:solidFill>
+              </a:rPr>
+              <a:t>Cacti Server #1</a:t>
+            </a:r>
+          </a:p>
+          <a:p>
+            <a:r>
+              <a:rPr lang="en-US" altLang="ja-JP" dirty="0" smtClean="0">
+                <a:solidFill>
+                  <a:srgbClr val="000000"/>
+                </a:solidFill>
+              </a:rPr>
+              <a:t>(Polling Server)</a:t>
+            </a:r>
+            <a:endParaRPr kumimoji="1" lang="ja-JP" altLang="en-US" dirty="0">
+              <a:solidFill>
+                <a:srgbClr val="000000"/>
+              </a:solidFill>
+            </a:endParaRPr>
+          </a:p>
+        </p:txBody>
+      </p:sp>
+      <p:sp>
+        <p:nvSpPr>
+          <p:cNvPr id="5" name="円柱 4"/>
+          <p:cNvSpPr/>
+          <p:nvPr/>
+        </p:nvSpPr>
+        <p:spPr>
+          <a:xfrm>
+            <a:off x="1837730" y="2558826"/>
+            <a:ext cx="634975" cy="683635"/>
+          </a:xfrm>
+          <a:prstGeom prst="can">
+            <a:avLst/>
+          </a:prstGeom>
+          <a:solidFill>
+            <a:schemeClr val="accent2">
+              <a:lumMod val="60000"/>
+              <a:lumOff val="40000"/>
+            </a:schemeClr>
+          </a:solidFill>
+        </p:spPr>
+        <p:style>
+          <a:lnRef idx="1">
+            <a:schemeClr val="accent1"/>
+          </a:lnRef>
+          <a:fillRef idx="3">
+            <a:schemeClr val="accent1"/>
+          </a:fillRef>
+          <a:effectRef idx="2">
+            <a:schemeClr val="accent1"/>
+          </a:effectRef>
+          <a:fontRef idx="minor">
+            <a:schemeClr val="lt1"/>
+          </a:fontRef>
+        </p:style>
+        <p:txBody>
+          <a:bodyPr wrap="none" rtlCol="0" anchor="ctr"/>
+          <a:lstStyle/>
+          <a:p>
+            <a:pPr algn="ctr"/>
+            <a:r>
+              <a:rPr kumimoji="1" lang="en-US" altLang="ja-JP" sz="1400" dirty="0" smtClean="0">
+                <a:solidFill>
+                  <a:schemeClr val="tx1"/>
+                </a:solidFill>
+              </a:rPr>
+              <a:t>Database</a:t>
+            </a:r>
+            <a:endParaRPr kumimoji="1" lang="ja-JP" altLang="en-US" sz="1400" dirty="0">
+              <a:solidFill>
+                <a:schemeClr val="tx1"/>
+              </a:solidFill>
+            </a:endParaRPr>
+          </a:p>
+        </p:txBody>
+      </p:sp>
+      <p:sp>
+        <p:nvSpPr>
+          <p:cNvPr id="6" name="円柱 5"/>
+          <p:cNvSpPr/>
+          <p:nvPr/>
+        </p:nvSpPr>
+        <p:spPr>
+          <a:xfrm>
+            <a:off x="2992230" y="2558826"/>
+            <a:ext cx="851446" cy="683635"/>
+          </a:xfrm>
+          <a:prstGeom prst="can">
+            <a:avLst/>
+          </a:prstGeom>
+          <a:solidFill>
+            <a:srgbClr val="D99694"/>
+          </a:solidFill>
+        </p:spPr>
+        <p:style>
+          <a:lnRef idx="1">
+            <a:schemeClr val="accent1"/>
+          </a:lnRef>
+          <a:fillRef idx="3">
+            <a:schemeClr val="accent1"/>
+          </a:fillRef>
+          <a:effectRef idx="2">
+            <a:schemeClr val="accent1"/>
+          </a:effectRef>
+          <a:fontRef idx="minor">
+            <a:schemeClr val="lt1"/>
+          </a:fontRef>
+        </p:style>
+        <p:txBody>
+          <a:bodyPr wrap="none" rtlCol="0" anchor="ctr"/>
+          <a:lstStyle/>
+          <a:p>
+            <a:pPr algn="ctr"/>
+            <a:r>
+              <a:rPr kumimoji="1" lang="en-US" altLang="ja-JP" sz="1400" dirty="0" err="1" smtClean="0">
+                <a:solidFill>
+                  <a:schemeClr val="tx1"/>
+                </a:solidFill>
+              </a:rPr>
+              <a:t>RRDtool</a:t>
+            </a:r>
+            <a:endParaRPr kumimoji="1" lang="en-US" altLang="ja-JP" sz="1400" dirty="0" smtClean="0">
+              <a:solidFill>
+                <a:schemeClr val="tx1"/>
+              </a:solidFill>
+            </a:endParaRPr>
+          </a:p>
+          <a:p>
+            <a:pPr algn="ctr"/>
+            <a:r>
+              <a:rPr lang="en-US" altLang="ja-JP" sz="1400" dirty="0" smtClean="0">
+                <a:solidFill>
+                  <a:schemeClr val="tx1"/>
+                </a:solidFill>
+              </a:rPr>
+              <a:t>for #1</a:t>
+            </a:r>
+            <a:endParaRPr kumimoji="1" lang="ja-JP" altLang="en-US" sz="1400" dirty="0">
+              <a:solidFill>
+                <a:schemeClr val="tx1"/>
+              </a:solidFill>
+            </a:endParaRPr>
+          </a:p>
+        </p:txBody>
+      </p:sp>
+      <p:sp>
+        <p:nvSpPr>
+          <p:cNvPr id="7" name="円/楕円 6"/>
+          <p:cNvSpPr/>
+          <p:nvPr/>
+        </p:nvSpPr>
+        <p:spPr>
+          <a:xfrm>
+            <a:off x="2271812" y="1794016"/>
+            <a:ext cx="2119106" cy="404049"/>
+          </a:xfrm>
+          <a:prstGeom prst="ellipse">
+            <a:avLst/>
+          </a:prstGeom>
+          <a:solidFill>
+            <a:schemeClr val="accent4">
+              <a:lumMod val="60000"/>
+              <a:lumOff val="40000"/>
+            </a:schemeClr>
+          </a:solidFill>
+        </p:spPr>
+        <p:style>
+          <a:lnRef idx="1">
+            <a:schemeClr val="accent1"/>
+          </a:lnRef>
+          <a:fillRef idx="3">
+            <a:schemeClr val="accent1"/>
+          </a:fillRef>
+          <a:effectRef idx="2">
+            <a:schemeClr val="accent1"/>
+          </a:effectRef>
+          <a:fontRef idx="minor">
+            <a:schemeClr val="lt1"/>
+          </a:fontRef>
+        </p:style>
+        <p:txBody>
+          <a:bodyPr rtlCol="0" anchor="ctr"/>
+          <a:lstStyle/>
+          <a:p>
+            <a:pPr algn="ctr"/>
+            <a:r>
+              <a:rPr kumimoji="1" lang="en-US" altLang="ja-JP" sz="1400" dirty="0" smtClean="0">
+                <a:solidFill>
+                  <a:schemeClr val="tx1"/>
+                </a:solidFill>
+              </a:rPr>
+              <a:t>Cacti</a:t>
+            </a:r>
+            <a:endParaRPr kumimoji="1" lang="ja-JP" altLang="en-US" sz="1400" dirty="0">
+              <a:solidFill>
+                <a:schemeClr val="tx1"/>
+              </a:solidFill>
+            </a:endParaRPr>
+          </a:p>
+        </p:txBody>
+      </p:sp>
+      <p:sp>
+        <p:nvSpPr>
+          <p:cNvPr id="8" name="円柱 7"/>
+          <p:cNvSpPr/>
+          <p:nvPr/>
+        </p:nvSpPr>
+        <p:spPr>
+          <a:xfrm>
+            <a:off x="3930256" y="2558826"/>
+            <a:ext cx="851446" cy="683635"/>
+          </a:xfrm>
+          <a:prstGeom prst="can">
+            <a:avLst/>
+          </a:prstGeom>
+          <a:solidFill>
+            <a:srgbClr val="D99694"/>
+          </a:solidFill>
+        </p:spPr>
+        <p:style>
+          <a:lnRef idx="1">
+            <a:schemeClr val="accent1"/>
+          </a:lnRef>
+          <a:fillRef idx="3">
+            <a:schemeClr val="accent1"/>
+          </a:fillRef>
+          <a:effectRef idx="2">
+            <a:schemeClr val="accent1"/>
+          </a:effectRef>
+          <a:fontRef idx="minor">
+            <a:schemeClr val="lt1"/>
+          </a:fontRef>
+        </p:style>
+        <p:txBody>
+          <a:bodyPr wrap="none" rtlCol="0" anchor="ctr"/>
+          <a:lstStyle/>
+          <a:p>
+            <a:pPr algn="ctr"/>
+            <a:r>
+              <a:rPr kumimoji="1" lang="en-US" altLang="ja-JP" sz="1400" dirty="0" err="1" smtClean="0">
+                <a:solidFill>
+                  <a:schemeClr val="tx1"/>
+                </a:solidFill>
+              </a:rPr>
+              <a:t>RRDtool</a:t>
+            </a:r>
+            <a:endParaRPr kumimoji="1" lang="en-US" altLang="ja-JP" sz="1400" dirty="0" smtClean="0">
+              <a:solidFill>
+                <a:schemeClr val="tx1"/>
+              </a:solidFill>
+            </a:endParaRPr>
+          </a:p>
+          <a:p>
+            <a:pPr algn="ctr"/>
+            <a:r>
+              <a:rPr lang="en-US" altLang="ja-JP" sz="1400" dirty="0" smtClean="0">
+                <a:solidFill>
+                  <a:schemeClr val="tx1"/>
+                </a:solidFill>
+              </a:rPr>
+              <a:t>for #2</a:t>
+            </a:r>
+            <a:endParaRPr kumimoji="1" lang="ja-JP" altLang="en-US" sz="1400" dirty="0">
+              <a:solidFill>
+                <a:schemeClr val="tx1"/>
+              </a:solidFill>
+            </a:endParaRPr>
+          </a:p>
+        </p:txBody>
+      </p:sp>
+      <p:sp>
+        <p:nvSpPr>
+          <p:cNvPr id="10" name="円柱 9"/>
+          <p:cNvSpPr/>
+          <p:nvPr/>
+        </p:nvSpPr>
+        <p:spPr>
+          <a:xfrm>
+            <a:off x="2191296" y="249978"/>
+            <a:ext cx="1010187" cy="496035"/>
+          </a:xfrm>
+          <a:prstGeom prst="can">
+            <a:avLst>
+              <a:gd name="adj" fmla="val 50000"/>
+            </a:avLst>
+          </a:prstGeom>
+          <a:solidFill>
+            <a:schemeClr val="accent3">
+              <a:lumMod val="60000"/>
+              <a:lumOff val="40000"/>
+            </a:schemeClr>
+          </a:solidFill>
+        </p:spPr>
+        <p:style>
+          <a:lnRef idx="1">
+            <a:schemeClr val="accent1"/>
+          </a:lnRef>
+          <a:fillRef idx="3">
+            <a:schemeClr val="accent1"/>
+          </a:fillRef>
+          <a:effectRef idx="2">
+            <a:schemeClr val="accent1"/>
+          </a:effectRef>
+          <a:fontRef idx="minor">
+            <a:schemeClr val="lt1"/>
+          </a:fontRef>
+        </p:style>
+        <p:txBody>
+          <a:bodyPr wrap="none" rtlCol="0" anchor="ctr"/>
+          <a:lstStyle/>
+          <a:p>
+            <a:pPr algn="ctr"/>
+            <a:r>
+              <a:rPr kumimoji="1" lang="en-US" altLang="ja-JP" sz="1400" dirty="0" smtClean="0">
+                <a:solidFill>
+                  <a:srgbClr val="000000"/>
+                </a:solidFill>
+              </a:rPr>
+              <a:t>Router #1</a:t>
+            </a:r>
+            <a:endParaRPr kumimoji="1" lang="ja-JP" altLang="en-US" sz="1400" dirty="0">
+              <a:solidFill>
+                <a:srgbClr val="000000"/>
+              </a:solidFill>
+            </a:endParaRPr>
+          </a:p>
+        </p:txBody>
+      </p:sp>
+      <p:sp>
+        <p:nvSpPr>
+          <p:cNvPr id="11" name="円柱 10"/>
+          <p:cNvSpPr/>
+          <p:nvPr/>
+        </p:nvSpPr>
+        <p:spPr>
+          <a:xfrm>
+            <a:off x="3627205" y="249978"/>
+            <a:ext cx="1010187" cy="496035"/>
+          </a:xfrm>
+          <a:prstGeom prst="can">
+            <a:avLst>
+              <a:gd name="adj" fmla="val 50000"/>
+            </a:avLst>
+          </a:prstGeom>
+          <a:solidFill>
+            <a:schemeClr val="accent3">
+              <a:lumMod val="60000"/>
+              <a:lumOff val="40000"/>
+            </a:schemeClr>
+          </a:solidFill>
+        </p:spPr>
+        <p:style>
+          <a:lnRef idx="1">
+            <a:schemeClr val="accent1"/>
+          </a:lnRef>
+          <a:fillRef idx="3">
+            <a:schemeClr val="accent1"/>
+          </a:fillRef>
+          <a:effectRef idx="2">
+            <a:schemeClr val="accent1"/>
+          </a:effectRef>
+          <a:fontRef idx="minor">
+            <a:schemeClr val="lt1"/>
+          </a:fontRef>
+        </p:style>
+        <p:txBody>
+          <a:bodyPr wrap="none" rtlCol="0" anchor="ctr"/>
+          <a:lstStyle/>
+          <a:p>
+            <a:pPr algn="ctr"/>
+            <a:r>
+              <a:rPr lang="en-US" altLang="ja-JP" sz="1400" dirty="0" smtClean="0">
+                <a:solidFill>
+                  <a:srgbClr val="000000"/>
+                </a:solidFill>
+              </a:rPr>
+              <a:t>Router #2</a:t>
+            </a:r>
+            <a:endParaRPr kumimoji="1" lang="ja-JP" altLang="en-US" sz="1400" dirty="0">
+              <a:solidFill>
+                <a:srgbClr val="000000"/>
+              </a:solidFill>
+            </a:endParaRPr>
+          </a:p>
+        </p:txBody>
+      </p:sp>
+      <p:cxnSp>
+        <p:nvCxnSpPr>
+          <p:cNvPr id="17" name="直線矢印コネクタ 16"/>
+          <p:cNvCxnSpPr/>
+          <p:nvPr/>
+        </p:nvCxnSpPr>
+        <p:spPr>
+          <a:xfrm rot="16200000" flipV="1">
+            <a:off x="2462309" y="1028700"/>
+            <a:ext cx="1295400" cy="609600"/>
+          </a:xfrm>
+          <a:prstGeom prst="straightConnector1">
+            <a:avLst/>
+          </a:prstGeom>
+          <a:ln>
+            <a:solidFill>
+              <a:srgbClr val="FF0000"/>
+            </a:solidFill>
+            <a:tailEnd type="arrow"/>
+          </a:ln>
+        </p:spPr>
+        <p:style>
+          <a:lnRef idx="2">
+            <a:schemeClr val="accent1"/>
+          </a:lnRef>
+          <a:fillRef idx="0">
+            <a:schemeClr val="accent1"/>
+          </a:fillRef>
+          <a:effectRef idx="1">
+            <a:schemeClr val="accent1"/>
+          </a:effectRef>
+          <a:fontRef idx="minor">
+            <a:schemeClr val="tx1"/>
+          </a:fontRef>
+        </p:style>
+      </p:cxnSp>
+      <p:cxnSp>
+        <p:nvCxnSpPr>
+          <p:cNvPr id="20" name="直線矢印コネクタ 19"/>
+          <p:cNvCxnSpPr/>
+          <p:nvPr/>
+        </p:nvCxnSpPr>
+        <p:spPr>
+          <a:xfrm rot="5400000" flipH="1" flipV="1">
+            <a:off x="3224309" y="952500"/>
+            <a:ext cx="1219200" cy="685800"/>
+          </a:xfrm>
+          <a:prstGeom prst="straightConnector1">
+            <a:avLst/>
+          </a:prstGeom>
+          <a:ln>
+            <a:solidFill>
+              <a:srgbClr val="FF0000"/>
+            </a:solidFill>
+            <a:tailEnd type="arrow"/>
+          </a:ln>
+        </p:spPr>
+        <p:style>
+          <a:lnRef idx="2">
+            <a:schemeClr val="accent1"/>
+          </a:lnRef>
+          <a:fillRef idx="0">
+            <a:schemeClr val="accent1"/>
+          </a:fillRef>
+          <a:effectRef idx="1">
+            <a:schemeClr val="accent1"/>
+          </a:effectRef>
+          <a:fontRef idx="minor">
+            <a:schemeClr val="tx1"/>
+          </a:fontRef>
+        </p:style>
+      </p:cxnSp>
+      <p:cxnSp>
+        <p:nvCxnSpPr>
+          <p:cNvPr id="23" name="直線矢印コネクタ 22"/>
+          <p:cNvCxnSpPr/>
+          <p:nvPr/>
+        </p:nvCxnSpPr>
+        <p:spPr>
+          <a:xfrm rot="10800000" flipV="1">
+            <a:off x="2271811" y="2133599"/>
+            <a:ext cx="914398" cy="685799"/>
+          </a:xfrm>
+          <a:prstGeom prst="straightConnector1">
+            <a:avLst/>
+          </a:prstGeom>
+          <a:ln>
+            <a:solidFill>
+              <a:srgbClr val="FF0000"/>
+            </a:solidFill>
+            <a:tailEnd type="arrow"/>
+          </a:ln>
+        </p:spPr>
+        <p:style>
+          <a:lnRef idx="2">
+            <a:schemeClr val="accent1"/>
+          </a:lnRef>
+          <a:fillRef idx="0">
+            <a:schemeClr val="accent1"/>
+          </a:fillRef>
+          <a:effectRef idx="1">
+            <a:schemeClr val="accent1"/>
+          </a:effectRef>
+          <a:fontRef idx="minor">
+            <a:schemeClr val="tx1"/>
+          </a:fontRef>
+        </p:style>
+      </p:cxnSp>
+      <p:cxnSp>
+        <p:nvCxnSpPr>
+          <p:cNvPr id="27" name="直線矢印コネクタ 26"/>
+          <p:cNvCxnSpPr/>
+          <p:nvPr/>
+        </p:nvCxnSpPr>
+        <p:spPr>
+          <a:xfrm rot="5400000">
+            <a:off x="3224309" y="2400299"/>
+            <a:ext cx="533401" cy="1588"/>
+          </a:xfrm>
+          <a:prstGeom prst="straightConnector1">
+            <a:avLst/>
+          </a:prstGeom>
+          <a:ln>
+            <a:solidFill>
+              <a:srgbClr val="FF0000"/>
+            </a:solidFill>
+            <a:tailEnd type="arrow"/>
+          </a:ln>
+        </p:spPr>
+        <p:style>
+          <a:lnRef idx="2">
+            <a:schemeClr val="accent1"/>
+          </a:lnRef>
+          <a:fillRef idx="0">
+            <a:schemeClr val="accent1"/>
+          </a:fillRef>
+          <a:effectRef idx="1">
+            <a:schemeClr val="accent1"/>
+          </a:effectRef>
+          <a:fontRef idx="minor">
+            <a:schemeClr val="tx1"/>
+          </a:fontRef>
+        </p:style>
+      </p:cxnSp>
+      <p:cxnSp>
+        <p:nvCxnSpPr>
+          <p:cNvPr id="28" name="直線矢印コネクタ 27"/>
+          <p:cNvCxnSpPr/>
+          <p:nvPr/>
+        </p:nvCxnSpPr>
+        <p:spPr>
+          <a:xfrm>
+            <a:off x="3567211" y="2133602"/>
+            <a:ext cx="609599" cy="533397"/>
+          </a:xfrm>
+          <a:prstGeom prst="straightConnector1">
+            <a:avLst/>
+          </a:prstGeom>
+          <a:ln>
+            <a:solidFill>
+              <a:srgbClr val="FF0000"/>
+            </a:solidFill>
+            <a:tailEnd type="arrow"/>
+          </a:ln>
+        </p:spPr>
+        <p:style>
+          <a:lnRef idx="2">
+            <a:schemeClr val="accent1"/>
+          </a:lnRef>
+          <a:fillRef idx="0">
+            <a:schemeClr val="accent1"/>
+          </a:fillRef>
+          <a:effectRef idx="1">
+            <a:schemeClr val="accent1"/>
+          </a:effectRef>
+          <a:fontRef idx="minor">
+            <a:schemeClr val="tx1"/>
+          </a:fontRef>
+        </p:style>
+      </p:cxnSp>
+      <p:sp>
+        <p:nvSpPr>
+          <p:cNvPr id="32" name="正方形/長方形 31"/>
+          <p:cNvSpPr/>
+          <p:nvPr/>
+        </p:nvSpPr>
+        <p:spPr>
+          <a:xfrm>
+            <a:off x="5396009" y="1143001"/>
+            <a:ext cx="3646144" cy="2362200"/>
+          </a:xfrm>
+          <a:prstGeom prst="rect">
+            <a:avLst/>
+          </a:prstGeom>
+          <a:solidFill>
+            <a:schemeClr val="accent6">
+              <a:lumMod val="60000"/>
+              <a:lumOff val="40000"/>
+            </a:schemeClr>
+          </a:solidFill>
+        </p:spPr>
+        <p:style>
+          <a:lnRef idx="1">
+            <a:schemeClr val="accent1"/>
+          </a:lnRef>
+          <a:fillRef idx="3">
+            <a:schemeClr val="accent1"/>
+          </a:fillRef>
+          <a:effectRef idx="2">
+            <a:schemeClr val="accent1"/>
+          </a:effectRef>
+          <a:fontRef idx="minor">
+            <a:schemeClr val="lt1"/>
+          </a:fontRef>
+        </p:style>
+        <p:txBody>
+          <a:bodyPr rtlCol="0" anchor="t"/>
+          <a:lstStyle/>
+          <a:p>
+            <a:r>
+              <a:rPr kumimoji="1" lang="en-US" altLang="ja-JP" dirty="0" smtClean="0">
+                <a:solidFill>
+                  <a:srgbClr val="000000"/>
+                </a:solidFill>
+              </a:rPr>
+              <a:t>Cacti Server #2</a:t>
+            </a:r>
+          </a:p>
+          <a:p>
+            <a:r>
+              <a:rPr lang="en-US" altLang="ja-JP" dirty="0" smtClean="0">
+                <a:solidFill>
+                  <a:srgbClr val="000000"/>
+                </a:solidFill>
+              </a:rPr>
+              <a:t>(Polling Server)</a:t>
+            </a:r>
+            <a:endParaRPr kumimoji="1" lang="ja-JP" altLang="en-US" dirty="0">
+              <a:solidFill>
+                <a:srgbClr val="000000"/>
+              </a:solidFill>
+            </a:endParaRPr>
+          </a:p>
+        </p:txBody>
+      </p:sp>
+      <p:sp>
+        <p:nvSpPr>
+          <p:cNvPr id="34" name="円柱 33"/>
+          <p:cNvSpPr/>
+          <p:nvPr/>
+        </p:nvSpPr>
+        <p:spPr>
+          <a:xfrm>
+            <a:off x="5677418" y="2558826"/>
+            <a:ext cx="634975" cy="683635"/>
+          </a:xfrm>
+          <a:prstGeom prst="can">
+            <a:avLst/>
+          </a:prstGeom>
+          <a:solidFill>
+            <a:schemeClr val="accent2">
+              <a:lumMod val="60000"/>
+              <a:lumOff val="40000"/>
+            </a:schemeClr>
+          </a:solidFill>
+        </p:spPr>
+        <p:style>
+          <a:lnRef idx="1">
+            <a:schemeClr val="accent1"/>
+          </a:lnRef>
+          <a:fillRef idx="3">
+            <a:schemeClr val="accent1"/>
+          </a:fillRef>
+          <a:effectRef idx="2">
+            <a:schemeClr val="accent1"/>
+          </a:effectRef>
+          <a:fontRef idx="minor">
+            <a:schemeClr val="lt1"/>
+          </a:fontRef>
+        </p:style>
+        <p:txBody>
+          <a:bodyPr wrap="none" rtlCol="0" anchor="ctr"/>
+          <a:lstStyle/>
+          <a:p>
+            <a:pPr algn="ctr"/>
+            <a:r>
+              <a:rPr kumimoji="1" lang="en-US" altLang="ja-JP" sz="1400" dirty="0" smtClean="0">
+                <a:solidFill>
+                  <a:schemeClr val="tx1"/>
+                </a:solidFill>
+              </a:rPr>
+              <a:t>Database</a:t>
+            </a:r>
+            <a:endParaRPr kumimoji="1" lang="ja-JP" altLang="en-US" sz="1400" dirty="0">
+              <a:solidFill>
+                <a:schemeClr val="tx1"/>
+              </a:solidFill>
+            </a:endParaRPr>
+          </a:p>
+        </p:txBody>
+      </p:sp>
+      <p:sp>
+        <p:nvSpPr>
+          <p:cNvPr id="35" name="円柱 34"/>
+          <p:cNvSpPr/>
+          <p:nvPr/>
+        </p:nvSpPr>
+        <p:spPr>
+          <a:xfrm>
+            <a:off x="6831918" y="2558826"/>
+            <a:ext cx="851446" cy="683635"/>
+          </a:xfrm>
+          <a:prstGeom prst="can">
+            <a:avLst/>
+          </a:prstGeom>
+          <a:solidFill>
+            <a:srgbClr val="D99694"/>
+          </a:solidFill>
+        </p:spPr>
+        <p:style>
+          <a:lnRef idx="1">
+            <a:schemeClr val="accent1"/>
+          </a:lnRef>
+          <a:fillRef idx="3">
+            <a:schemeClr val="accent1"/>
+          </a:fillRef>
+          <a:effectRef idx="2">
+            <a:schemeClr val="accent1"/>
+          </a:effectRef>
+          <a:fontRef idx="minor">
+            <a:schemeClr val="lt1"/>
+          </a:fontRef>
+        </p:style>
+        <p:txBody>
+          <a:bodyPr wrap="none" rtlCol="0" anchor="ctr"/>
+          <a:lstStyle/>
+          <a:p>
+            <a:pPr algn="ctr"/>
+            <a:r>
+              <a:rPr kumimoji="1" lang="en-US" altLang="ja-JP" sz="1400" dirty="0" err="1" smtClean="0">
+                <a:solidFill>
+                  <a:schemeClr val="tx1"/>
+                </a:solidFill>
+              </a:rPr>
+              <a:t>RRDtool</a:t>
+            </a:r>
+            <a:endParaRPr kumimoji="1" lang="en-US" altLang="ja-JP" sz="1400" dirty="0" smtClean="0">
+              <a:solidFill>
+                <a:schemeClr val="tx1"/>
+              </a:solidFill>
+            </a:endParaRPr>
+          </a:p>
+          <a:p>
+            <a:pPr algn="ctr"/>
+            <a:r>
+              <a:rPr lang="en-US" altLang="ja-JP" sz="1400" dirty="0" smtClean="0">
+                <a:solidFill>
+                  <a:schemeClr val="tx1"/>
+                </a:solidFill>
+              </a:rPr>
+              <a:t>for #3</a:t>
+            </a:r>
+            <a:endParaRPr kumimoji="1" lang="ja-JP" altLang="en-US" sz="1400" dirty="0">
+              <a:solidFill>
+                <a:schemeClr val="tx1"/>
+              </a:solidFill>
+            </a:endParaRPr>
+          </a:p>
+        </p:txBody>
+      </p:sp>
+      <p:sp>
+        <p:nvSpPr>
+          <p:cNvPr id="36" name="円/楕円 35"/>
+          <p:cNvSpPr/>
+          <p:nvPr/>
+        </p:nvSpPr>
+        <p:spPr>
+          <a:xfrm>
+            <a:off x="6111500" y="1794016"/>
+            <a:ext cx="2119106" cy="404049"/>
+          </a:xfrm>
+          <a:prstGeom prst="ellipse">
+            <a:avLst/>
+          </a:prstGeom>
+          <a:solidFill>
+            <a:schemeClr val="accent4">
+              <a:lumMod val="60000"/>
+              <a:lumOff val="40000"/>
+            </a:schemeClr>
+          </a:solidFill>
+        </p:spPr>
+        <p:style>
+          <a:lnRef idx="1">
+            <a:schemeClr val="accent1"/>
+          </a:lnRef>
+          <a:fillRef idx="3">
+            <a:schemeClr val="accent1"/>
+          </a:fillRef>
+          <a:effectRef idx="2">
+            <a:schemeClr val="accent1"/>
+          </a:effectRef>
+          <a:fontRef idx="minor">
+            <a:schemeClr val="lt1"/>
+          </a:fontRef>
+        </p:style>
+        <p:txBody>
+          <a:bodyPr rtlCol="0" anchor="ctr"/>
+          <a:lstStyle/>
+          <a:p>
+            <a:pPr algn="ctr"/>
+            <a:r>
+              <a:rPr kumimoji="1" lang="en-US" altLang="ja-JP" dirty="0" smtClean="0">
+                <a:solidFill>
+                  <a:schemeClr val="tx1"/>
+                </a:solidFill>
+              </a:rPr>
+              <a:t>Cacti</a:t>
+            </a:r>
+            <a:endParaRPr kumimoji="1" lang="ja-JP" altLang="en-US" dirty="0">
+              <a:solidFill>
+                <a:schemeClr val="tx1"/>
+              </a:solidFill>
+            </a:endParaRPr>
+          </a:p>
+        </p:txBody>
+      </p:sp>
+      <p:sp>
+        <p:nvSpPr>
+          <p:cNvPr id="37" name="円柱 36"/>
+          <p:cNvSpPr/>
+          <p:nvPr/>
+        </p:nvSpPr>
+        <p:spPr>
+          <a:xfrm>
+            <a:off x="7769944" y="2558826"/>
+            <a:ext cx="851446" cy="683635"/>
+          </a:xfrm>
+          <a:prstGeom prst="can">
+            <a:avLst/>
+          </a:prstGeom>
+          <a:solidFill>
+            <a:srgbClr val="D99694"/>
+          </a:solidFill>
+        </p:spPr>
+        <p:style>
+          <a:lnRef idx="1">
+            <a:schemeClr val="accent1"/>
+          </a:lnRef>
+          <a:fillRef idx="3">
+            <a:schemeClr val="accent1"/>
+          </a:fillRef>
+          <a:effectRef idx="2">
+            <a:schemeClr val="accent1"/>
+          </a:effectRef>
+          <a:fontRef idx="minor">
+            <a:schemeClr val="lt1"/>
+          </a:fontRef>
+        </p:style>
+        <p:txBody>
+          <a:bodyPr wrap="none" rtlCol="0" anchor="ctr"/>
+          <a:lstStyle/>
+          <a:p>
+            <a:pPr algn="ctr"/>
+            <a:r>
+              <a:rPr kumimoji="1" lang="en-US" altLang="ja-JP" sz="1400" dirty="0" err="1" smtClean="0">
+                <a:solidFill>
+                  <a:schemeClr val="tx1"/>
+                </a:solidFill>
+              </a:rPr>
+              <a:t>RRDtool</a:t>
+            </a:r>
+            <a:endParaRPr kumimoji="1" lang="en-US" altLang="ja-JP" sz="1400" dirty="0" smtClean="0">
+              <a:solidFill>
+                <a:schemeClr val="tx1"/>
+              </a:solidFill>
+            </a:endParaRPr>
+          </a:p>
+          <a:p>
+            <a:pPr algn="ctr"/>
+            <a:r>
+              <a:rPr lang="en-US" altLang="ja-JP" sz="1400" dirty="0" smtClean="0">
+                <a:solidFill>
+                  <a:schemeClr val="tx1"/>
+                </a:solidFill>
+              </a:rPr>
+              <a:t>for #4</a:t>
+            </a:r>
+            <a:endParaRPr kumimoji="1" lang="ja-JP" altLang="en-US" sz="1400" dirty="0">
+              <a:solidFill>
+                <a:schemeClr val="tx1"/>
+              </a:solidFill>
+            </a:endParaRPr>
+          </a:p>
+        </p:txBody>
+      </p:sp>
+      <p:sp>
+        <p:nvSpPr>
+          <p:cNvPr id="38" name="円柱 37"/>
+          <p:cNvSpPr/>
+          <p:nvPr/>
+        </p:nvSpPr>
+        <p:spPr>
+          <a:xfrm>
+            <a:off x="6030984" y="249978"/>
+            <a:ext cx="1010187" cy="496035"/>
+          </a:xfrm>
+          <a:prstGeom prst="can">
+            <a:avLst>
+              <a:gd name="adj" fmla="val 50000"/>
+            </a:avLst>
+          </a:prstGeom>
+          <a:solidFill>
+            <a:schemeClr val="accent3">
+              <a:lumMod val="60000"/>
+              <a:lumOff val="40000"/>
+            </a:schemeClr>
+          </a:solidFill>
+        </p:spPr>
+        <p:style>
+          <a:lnRef idx="1">
+            <a:schemeClr val="accent1"/>
+          </a:lnRef>
+          <a:fillRef idx="3">
+            <a:schemeClr val="accent1"/>
+          </a:fillRef>
+          <a:effectRef idx="2">
+            <a:schemeClr val="accent1"/>
+          </a:effectRef>
+          <a:fontRef idx="minor">
+            <a:schemeClr val="lt1"/>
+          </a:fontRef>
+        </p:style>
+        <p:txBody>
+          <a:bodyPr wrap="none" rtlCol="0" anchor="ctr"/>
+          <a:lstStyle/>
+          <a:p>
+            <a:pPr algn="ctr"/>
+            <a:r>
+              <a:rPr kumimoji="1" lang="en-US" altLang="ja-JP" sz="1400" dirty="0" smtClean="0">
+                <a:solidFill>
+                  <a:srgbClr val="000000"/>
+                </a:solidFill>
+              </a:rPr>
+              <a:t>Router #3</a:t>
+            </a:r>
+            <a:endParaRPr kumimoji="1" lang="ja-JP" altLang="en-US" sz="1400" dirty="0">
+              <a:solidFill>
+                <a:srgbClr val="000000"/>
+              </a:solidFill>
+            </a:endParaRPr>
+          </a:p>
+        </p:txBody>
+      </p:sp>
+      <p:sp>
+        <p:nvSpPr>
+          <p:cNvPr id="39" name="円柱 38"/>
+          <p:cNvSpPr/>
+          <p:nvPr/>
+        </p:nvSpPr>
+        <p:spPr>
+          <a:xfrm>
+            <a:off x="7466893" y="249978"/>
+            <a:ext cx="1010187" cy="496035"/>
+          </a:xfrm>
+          <a:prstGeom prst="can">
+            <a:avLst>
+              <a:gd name="adj" fmla="val 50000"/>
+            </a:avLst>
+          </a:prstGeom>
+          <a:solidFill>
+            <a:schemeClr val="accent3">
+              <a:lumMod val="60000"/>
+              <a:lumOff val="40000"/>
+            </a:schemeClr>
+          </a:solidFill>
+        </p:spPr>
+        <p:style>
+          <a:lnRef idx="1">
+            <a:schemeClr val="accent1"/>
+          </a:lnRef>
+          <a:fillRef idx="3">
+            <a:schemeClr val="accent1"/>
+          </a:fillRef>
+          <a:effectRef idx="2">
+            <a:schemeClr val="accent1"/>
+          </a:effectRef>
+          <a:fontRef idx="minor">
+            <a:schemeClr val="lt1"/>
+          </a:fontRef>
+        </p:style>
+        <p:txBody>
+          <a:bodyPr wrap="none" rtlCol="0" anchor="ctr"/>
+          <a:lstStyle/>
+          <a:p>
+            <a:pPr algn="ctr"/>
+            <a:r>
+              <a:rPr lang="en-US" altLang="ja-JP" sz="1400" dirty="0" smtClean="0">
+                <a:solidFill>
+                  <a:srgbClr val="000000"/>
+                </a:solidFill>
+              </a:rPr>
+              <a:t>Router #4</a:t>
+            </a:r>
+            <a:endParaRPr kumimoji="1" lang="ja-JP" altLang="en-US" sz="1400" dirty="0">
+              <a:solidFill>
+                <a:srgbClr val="000000"/>
+              </a:solidFill>
+            </a:endParaRPr>
+          </a:p>
+        </p:txBody>
+      </p:sp>
+      <p:cxnSp>
+        <p:nvCxnSpPr>
+          <p:cNvPr id="40" name="直線矢印コネクタ 39"/>
+          <p:cNvCxnSpPr/>
+          <p:nvPr/>
+        </p:nvCxnSpPr>
+        <p:spPr>
+          <a:xfrm rot="16200000" flipV="1">
+            <a:off x="6301997" y="1028700"/>
+            <a:ext cx="1295400" cy="609600"/>
+          </a:xfrm>
+          <a:prstGeom prst="straightConnector1">
+            <a:avLst/>
+          </a:prstGeom>
+          <a:ln>
+            <a:solidFill>
+              <a:srgbClr val="FF0000"/>
+            </a:solidFill>
+            <a:tailEnd type="arrow"/>
+          </a:ln>
+        </p:spPr>
+        <p:style>
+          <a:lnRef idx="2">
+            <a:schemeClr val="accent1"/>
+          </a:lnRef>
+          <a:fillRef idx="0">
+            <a:schemeClr val="accent1"/>
+          </a:fillRef>
+          <a:effectRef idx="1">
+            <a:schemeClr val="accent1"/>
+          </a:effectRef>
+          <a:fontRef idx="minor">
+            <a:schemeClr val="tx1"/>
+          </a:fontRef>
+        </p:style>
+      </p:cxnSp>
+      <p:cxnSp>
+        <p:nvCxnSpPr>
+          <p:cNvPr id="41" name="直線矢印コネクタ 40"/>
+          <p:cNvCxnSpPr/>
+          <p:nvPr/>
+        </p:nvCxnSpPr>
+        <p:spPr>
+          <a:xfrm rot="5400000" flipH="1" flipV="1">
+            <a:off x="7063997" y="952500"/>
+            <a:ext cx="1219200" cy="685800"/>
+          </a:xfrm>
+          <a:prstGeom prst="straightConnector1">
+            <a:avLst/>
+          </a:prstGeom>
+          <a:ln>
+            <a:solidFill>
+              <a:srgbClr val="FF0000"/>
+            </a:solidFill>
+            <a:tailEnd type="arrow"/>
+          </a:ln>
+        </p:spPr>
+        <p:style>
+          <a:lnRef idx="2">
+            <a:schemeClr val="accent1"/>
+          </a:lnRef>
+          <a:fillRef idx="0">
+            <a:schemeClr val="accent1"/>
+          </a:fillRef>
+          <a:effectRef idx="1">
+            <a:schemeClr val="accent1"/>
+          </a:effectRef>
+          <a:fontRef idx="minor">
+            <a:schemeClr val="tx1"/>
+          </a:fontRef>
+        </p:style>
+      </p:cxnSp>
+      <p:cxnSp>
+        <p:nvCxnSpPr>
+          <p:cNvPr id="42" name="直線矢印コネクタ 41"/>
+          <p:cNvCxnSpPr/>
+          <p:nvPr/>
+        </p:nvCxnSpPr>
+        <p:spPr>
+          <a:xfrm rot="10800000" flipV="1">
+            <a:off x="6111499" y="2133599"/>
+            <a:ext cx="914398" cy="685799"/>
+          </a:xfrm>
+          <a:prstGeom prst="straightConnector1">
+            <a:avLst/>
+          </a:prstGeom>
+          <a:ln>
+            <a:solidFill>
+              <a:srgbClr val="FF0000"/>
+            </a:solidFill>
+            <a:tailEnd type="arrow"/>
+          </a:ln>
+        </p:spPr>
+        <p:style>
+          <a:lnRef idx="2">
+            <a:schemeClr val="accent1"/>
+          </a:lnRef>
+          <a:fillRef idx="0">
+            <a:schemeClr val="accent1"/>
+          </a:fillRef>
+          <a:effectRef idx="1">
+            <a:schemeClr val="accent1"/>
+          </a:effectRef>
+          <a:fontRef idx="minor">
+            <a:schemeClr val="tx1"/>
+          </a:fontRef>
+        </p:style>
+      </p:cxnSp>
+      <p:cxnSp>
+        <p:nvCxnSpPr>
+          <p:cNvPr id="43" name="直線矢印コネクタ 42"/>
+          <p:cNvCxnSpPr/>
+          <p:nvPr/>
+        </p:nvCxnSpPr>
+        <p:spPr>
+          <a:xfrm rot="5400000">
+            <a:off x="7063997" y="2400299"/>
+            <a:ext cx="533401" cy="1588"/>
+          </a:xfrm>
+          <a:prstGeom prst="straightConnector1">
+            <a:avLst/>
+          </a:prstGeom>
+          <a:ln>
+            <a:solidFill>
+              <a:srgbClr val="FF0000"/>
+            </a:solidFill>
+            <a:tailEnd type="arrow"/>
+          </a:ln>
+        </p:spPr>
+        <p:style>
+          <a:lnRef idx="2">
+            <a:schemeClr val="accent1"/>
+          </a:lnRef>
+          <a:fillRef idx="0">
+            <a:schemeClr val="accent1"/>
+          </a:fillRef>
+          <a:effectRef idx="1">
+            <a:schemeClr val="accent1"/>
+          </a:effectRef>
+          <a:fontRef idx="minor">
+            <a:schemeClr val="tx1"/>
+          </a:fontRef>
+        </p:style>
+      </p:cxnSp>
+      <p:cxnSp>
+        <p:nvCxnSpPr>
+          <p:cNvPr id="44" name="直線矢印コネクタ 43"/>
+          <p:cNvCxnSpPr/>
+          <p:nvPr/>
+        </p:nvCxnSpPr>
+        <p:spPr>
+          <a:xfrm>
+            <a:off x="7406899" y="2133602"/>
+            <a:ext cx="609599" cy="533397"/>
+          </a:xfrm>
+          <a:prstGeom prst="straightConnector1">
+            <a:avLst/>
+          </a:prstGeom>
+          <a:ln>
+            <a:solidFill>
+              <a:srgbClr val="FF0000"/>
+            </a:solidFill>
+            <a:tailEnd type="arrow"/>
+          </a:ln>
+        </p:spPr>
+        <p:style>
+          <a:lnRef idx="2">
+            <a:schemeClr val="accent1"/>
+          </a:lnRef>
+          <a:fillRef idx="0">
+            <a:schemeClr val="accent1"/>
+          </a:fillRef>
+          <a:effectRef idx="1">
+            <a:schemeClr val="accent1"/>
+          </a:effectRef>
+          <a:fontRef idx="minor">
+            <a:schemeClr val="tx1"/>
+          </a:fontRef>
+        </p:style>
+      </p:cxnSp>
+      <p:sp>
+        <p:nvSpPr>
+          <p:cNvPr id="63" name="テキスト ボックス 62"/>
+          <p:cNvSpPr txBox="1"/>
+          <p:nvPr/>
+        </p:nvSpPr>
+        <p:spPr>
+          <a:xfrm>
+            <a:off x="2438400" y="838200"/>
+            <a:ext cx="915635" cy="253916"/>
+          </a:xfrm>
+          <a:prstGeom prst="rect">
+            <a:avLst/>
+          </a:prstGeom>
+          <a:noFill/>
+        </p:spPr>
+        <p:txBody>
+          <a:bodyPr wrap="none" rtlCol="0">
+            <a:spAutoFit/>
+          </a:bodyPr>
+          <a:lstStyle/>
+          <a:p>
+            <a:r>
+              <a:rPr kumimoji="1" lang="en-US" altLang="ja-JP" sz="1050" dirty="0" smtClean="0"/>
+              <a:t>SNMP Polling</a:t>
+            </a:r>
+            <a:endParaRPr kumimoji="1" lang="ja-JP" altLang="en-US" sz="1050" dirty="0"/>
+          </a:p>
+        </p:txBody>
+      </p:sp>
+      <p:sp>
+        <p:nvSpPr>
+          <p:cNvPr id="64" name="テキスト ボックス 63"/>
+          <p:cNvSpPr txBox="1"/>
+          <p:nvPr/>
+        </p:nvSpPr>
+        <p:spPr>
+          <a:xfrm>
+            <a:off x="3657600" y="838200"/>
+            <a:ext cx="915635" cy="253916"/>
+          </a:xfrm>
+          <a:prstGeom prst="rect">
+            <a:avLst/>
+          </a:prstGeom>
+          <a:noFill/>
+        </p:spPr>
+        <p:txBody>
+          <a:bodyPr wrap="none" rtlCol="0">
+            <a:spAutoFit/>
+          </a:bodyPr>
+          <a:lstStyle/>
+          <a:p>
+            <a:r>
+              <a:rPr kumimoji="1" lang="en-US" altLang="ja-JP" sz="1050" dirty="0" smtClean="0"/>
+              <a:t>SNMP Polling</a:t>
+            </a:r>
+            <a:endParaRPr kumimoji="1" lang="ja-JP" altLang="en-US" sz="1050" dirty="0"/>
+          </a:p>
+        </p:txBody>
+      </p:sp>
+      <p:sp>
+        <p:nvSpPr>
+          <p:cNvPr id="65" name="テキスト ボックス 64"/>
+          <p:cNvSpPr txBox="1"/>
+          <p:nvPr/>
+        </p:nvSpPr>
+        <p:spPr>
+          <a:xfrm>
+            <a:off x="6324600" y="838200"/>
+            <a:ext cx="915635" cy="253916"/>
+          </a:xfrm>
+          <a:prstGeom prst="rect">
+            <a:avLst/>
+          </a:prstGeom>
+          <a:noFill/>
+        </p:spPr>
+        <p:txBody>
+          <a:bodyPr wrap="none" rtlCol="0">
+            <a:spAutoFit/>
+          </a:bodyPr>
+          <a:lstStyle/>
+          <a:p>
+            <a:r>
+              <a:rPr kumimoji="1" lang="en-US" altLang="ja-JP" sz="1050" dirty="0" smtClean="0"/>
+              <a:t>SNMP Polling</a:t>
+            </a:r>
+            <a:endParaRPr kumimoji="1" lang="ja-JP" altLang="en-US" sz="1050" dirty="0"/>
+          </a:p>
+        </p:txBody>
+      </p:sp>
+      <p:sp>
+        <p:nvSpPr>
+          <p:cNvPr id="66" name="テキスト ボックス 65"/>
+          <p:cNvSpPr txBox="1"/>
+          <p:nvPr/>
+        </p:nvSpPr>
+        <p:spPr>
+          <a:xfrm>
+            <a:off x="7543800" y="838200"/>
+            <a:ext cx="915635" cy="253916"/>
+          </a:xfrm>
+          <a:prstGeom prst="rect">
+            <a:avLst/>
+          </a:prstGeom>
+          <a:noFill/>
+        </p:spPr>
+        <p:txBody>
+          <a:bodyPr wrap="none" rtlCol="0">
+            <a:spAutoFit/>
+          </a:bodyPr>
+          <a:lstStyle/>
+          <a:p>
+            <a:r>
+              <a:rPr kumimoji="1" lang="en-US" altLang="ja-JP" sz="1050" dirty="0" smtClean="0"/>
+              <a:t>SNMP Polling</a:t>
+            </a:r>
+            <a:endParaRPr kumimoji="1" lang="ja-JP" altLang="en-US" sz="1050" dirty="0"/>
+          </a:p>
+        </p:txBody>
+      </p:sp>
+      <p:sp>
+        <p:nvSpPr>
+          <p:cNvPr id="76" name="テキスト ボックス 75"/>
+          <p:cNvSpPr txBox="1"/>
+          <p:nvPr/>
+        </p:nvSpPr>
+        <p:spPr>
+          <a:xfrm>
+            <a:off x="3186209" y="2242710"/>
+            <a:ext cx="607859" cy="253916"/>
+          </a:xfrm>
+          <a:prstGeom prst="rect">
+            <a:avLst/>
+          </a:prstGeom>
+          <a:noFill/>
+        </p:spPr>
+        <p:txBody>
+          <a:bodyPr wrap="none" rtlCol="0">
+            <a:spAutoFit/>
+          </a:bodyPr>
+          <a:lstStyle/>
+          <a:p>
+            <a:r>
+              <a:rPr kumimoji="1" lang="en-US" altLang="ja-JP" sz="1050" dirty="0" smtClean="0"/>
+              <a:t>Logging</a:t>
+            </a:r>
+            <a:endParaRPr kumimoji="1" lang="ja-JP" altLang="en-US" sz="1050" dirty="0"/>
+          </a:p>
+        </p:txBody>
+      </p:sp>
+      <p:sp>
+        <p:nvSpPr>
+          <p:cNvPr id="77" name="テキスト ボックス 76"/>
+          <p:cNvSpPr txBox="1"/>
+          <p:nvPr/>
+        </p:nvSpPr>
+        <p:spPr>
+          <a:xfrm>
+            <a:off x="3657600" y="2242710"/>
+            <a:ext cx="607859" cy="253916"/>
+          </a:xfrm>
+          <a:prstGeom prst="rect">
+            <a:avLst/>
+          </a:prstGeom>
+          <a:noFill/>
+        </p:spPr>
+        <p:txBody>
+          <a:bodyPr wrap="none" rtlCol="0">
+            <a:spAutoFit/>
+          </a:bodyPr>
+          <a:lstStyle/>
+          <a:p>
+            <a:r>
+              <a:rPr kumimoji="1" lang="en-US" altLang="ja-JP" sz="1050" dirty="0" smtClean="0"/>
+              <a:t>Logging</a:t>
+            </a:r>
+            <a:endParaRPr kumimoji="1" lang="ja-JP" altLang="en-US" sz="1050" dirty="0"/>
+          </a:p>
+        </p:txBody>
+      </p:sp>
+      <p:sp>
+        <p:nvSpPr>
+          <p:cNvPr id="78" name="テキスト ボックス 77"/>
+          <p:cNvSpPr txBox="1"/>
+          <p:nvPr/>
+        </p:nvSpPr>
+        <p:spPr>
+          <a:xfrm>
+            <a:off x="7010400" y="2242710"/>
+            <a:ext cx="607859" cy="253916"/>
+          </a:xfrm>
+          <a:prstGeom prst="rect">
+            <a:avLst/>
+          </a:prstGeom>
+          <a:noFill/>
+        </p:spPr>
+        <p:txBody>
+          <a:bodyPr wrap="none" rtlCol="0">
+            <a:spAutoFit/>
+          </a:bodyPr>
+          <a:lstStyle/>
+          <a:p>
+            <a:r>
+              <a:rPr kumimoji="1" lang="en-US" altLang="ja-JP" sz="1050" dirty="0" smtClean="0"/>
+              <a:t>Logging</a:t>
+            </a:r>
+            <a:endParaRPr kumimoji="1" lang="ja-JP" altLang="en-US" sz="1050" dirty="0"/>
+          </a:p>
+        </p:txBody>
+      </p:sp>
+      <p:sp>
+        <p:nvSpPr>
+          <p:cNvPr id="79" name="テキスト ボックス 78"/>
+          <p:cNvSpPr txBox="1"/>
+          <p:nvPr/>
+        </p:nvSpPr>
+        <p:spPr>
+          <a:xfrm>
+            <a:off x="7467600" y="2242710"/>
+            <a:ext cx="607859" cy="253916"/>
+          </a:xfrm>
+          <a:prstGeom prst="rect">
+            <a:avLst/>
+          </a:prstGeom>
+          <a:noFill/>
+        </p:spPr>
+        <p:txBody>
+          <a:bodyPr wrap="none" rtlCol="0">
+            <a:spAutoFit/>
+          </a:bodyPr>
+          <a:lstStyle/>
+          <a:p>
+            <a:r>
+              <a:rPr kumimoji="1" lang="en-US" altLang="ja-JP" sz="1050" dirty="0" smtClean="0"/>
+              <a:t>Logging</a:t>
+            </a:r>
+            <a:endParaRPr kumimoji="1" lang="ja-JP" altLang="en-US" sz="1050" dirty="0"/>
+          </a:p>
+        </p:txBody>
+      </p:sp>
+      <p:grpSp>
+        <p:nvGrpSpPr>
+          <p:cNvPr id="2" name="図形グループ 108"/>
+          <p:cNvGrpSpPr>
+            <a:grpSpLocks noChangeAspect="1"/>
+          </p:cNvGrpSpPr>
+          <p:nvPr/>
+        </p:nvGrpSpPr>
+        <p:grpSpPr>
+          <a:xfrm>
+            <a:off x="1104125" y="598445"/>
+            <a:ext cx="660441" cy="479510"/>
+            <a:chOff x="194732" y="994833"/>
+            <a:chExt cx="1100668" cy="799183"/>
+          </a:xfrm>
+        </p:grpSpPr>
+        <p:sp>
+          <p:nvSpPr>
+            <p:cNvPr id="83" name="直方体 82"/>
+            <p:cNvSpPr/>
+            <p:nvPr/>
+          </p:nvSpPr>
+          <p:spPr>
+            <a:xfrm>
+              <a:off x="447369" y="994833"/>
+              <a:ext cx="848031" cy="448197"/>
+            </a:xfrm>
+            <a:prstGeom prst="cube">
+              <a:avLst>
+                <a:gd name="adj" fmla="val 9597"/>
+              </a:avLst>
+            </a:prstGeom>
+            <a:solidFill>
+              <a:schemeClr val="bg1">
+                <a:lumMod val="75000"/>
+              </a:schemeClr>
+            </a:solidFill>
+            <a:ln w="6350" cap="flat" cmpd="sng" algn="ctr">
+              <a:solidFill>
+                <a:schemeClr val="tx1"/>
+              </a:solidFill>
+              <a:prstDash val="solid"/>
+              <a:round/>
+              <a:headEnd type="none" w="med" len="med"/>
+              <a:tailEnd type="none" w="med" len="med"/>
+            </a:ln>
+          </p:spPr>
+          <p:style>
+            <a:lnRef idx="1">
+              <a:schemeClr val="accent1"/>
+            </a:lnRef>
+            <a:fillRef idx="3">
+              <a:schemeClr val="accent1"/>
+            </a:fillRef>
+            <a:effectRef idx="2">
+              <a:schemeClr val="accent1"/>
+            </a:effectRef>
+            <a:fontRef idx="minor">
+              <a:schemeClr val="lt1"/>
+            </a:fontRef>
+          </p:style>
+          <p:txBody>
+            <a:bodyPr rtlCol="0" anchor="ctr"/>
+            <a:lstStyle/>
+            <a:p>
+              <a:pPr algn="ctr"/>
+              <a:endParaRPr kumimoji="1" lang="ja-JP" altLang="en-US"/>
+            </a:p>
+          </p:txBody>
+        </p:sp>
+        <p:sp>
+          <p:nvSpPr>
+            <p:cNvPr id="84" name="直方体 83"/>
+            <p:cNvSpPr/>
+            <p:nvPr/>
+          </p:nvSpPr>
+          <p:spPr>
+            <a:xfrm>
+              <a:off x="194732" y="1447800"/>
+              <a:ext cx="1062567" cy="346216"/>
+            </a:xfrm>
+            <a:prstGeom prst="cube">
+              <a:avLst>
+                <a:gd name="adj" fmla="val 74756"/>
+              </a:avLst>
+            </a:prstGeom>
+            <a:solidFill>
+              <a:schemeClr val="bg1">
+                <a:lumMod val="75000"/>
+              </a:schemeClr>
+            </a:solidFill>
+            <a:ln w="6350" cap="flat" cmpd="sng" algn="ctr">
+              <a:solidFill>
+                <a:schemeClr val="tx1"/>
+              </a:solidFill>
+              <a:prstDash val="solid"/>
+              <a:round/>
+              <a:headEnd type="none" w="med" len="med"/>
+              <a:tailEnd type="none" w="med" len="med"/>
+            </a:ln>
+          </p:spPr>
+          <p:style>
+            <a:lnRef idx="1">
+              <a:schemeClr val="accent1"/>
+            </a:lnRef>
+            <a:fillRef idx="3">
+              <a:schemeClr val="accent1"/>
+            </a:fillRef>
+            <a:effectRef idx="2">
+              <a:schemeClr val="accent1"/>
+            </a:effectRef>
+            <a:fontRef idx="minor">
+              <a:schemeClr val="lt1"/>
+            </a:fontRef>
+          </p:style>
+          <p:txBody>
+            <a:bodyPr rtlCol="0" anchor="ctr"/>
+            <a:lstStyle/>
+            <a:p>
+              <a:pPr algn="ctr"/>
+              <a:endParaRPr kumimoji="1" lang="ja-JP" altLang="en-US"/>
+            </a:p>
+          </p:txBody>
+        </p:sp>
+        <p:cxnSp>
+          <p:nvCxnSpPr>
+            <p:cNvPr id="86" name="直線コネクタ 85"/>
+            <p:cNvCxnSpPr/>
+            <p:nvPr/>
+          </p:nvCxnSpPr>
+          <p:spPr>
+            <a:xfrm flipV="1">
+              <a:off x="409272" y="1489593"/>
+              <a:ext cx="809930" cy="4770"/>
+            </a:xfrm>
+            <a:prstGeom prst="line">
+              <a:avLst/>
+            </a:prstGeom>
+            <a:ln w="6350" cap="flat" cmpd="sng" algn="ctr">
+              <a:solidFill>
+                <a:schemeClr val="tx1"/>
+              </a:solidFill>
+              <a:prstDash val="solid"/>
+              <a:round/>
+              <a:headEnd type="none" w="med" len="med"/>
+              <a:tailEnd type="none" w="med" len="med"/>
+            </a:ln>
+          </p:spPr>
+          <p:style>
+            <a:lnRef idx="2">
+              <a:schemeClr val="accent1"/>
+            </a:lnRef>
+            <a:fillRef idx="0">
+              <a:schemeClr val="accent1"/>
+            </a:fillRef>
+            <a:effectRef idx="1">
+              <a:schemeClr val="accent1"/>
+            </a:effectRef>
+            <a:fontRef idx="minor">
+              <a:schemeClr val="tx1"/>
+            </a:fontRef>
+          </p:style>
+        </p:cxnSp>
+        <p:cxnSp>
+          <p:nvCxnSpPr>
+            <p:cNvPr id="87" name="直線コネクタ 86"/>
+            <p:cNvCxnSpPr/>
+            <p:nvPr/>
+          </p:nvCxnSpPr>
+          <p:spPr>
+            <a:xfrm flipV="1">
+              <a:off x="350010" y="1540932"/>
+              <a:ext cx="809930" cy="4770"/>
+            </a:xfrm>
+            <a:prstGeom prst="line">
+              <a:avLst/>
+            </a:prstGeom>
+            <a:ln w="6350" cap="flat" cmpd="sng" algn="ctr">
+              <a:solidFill>
+                <a:schemeClr val="tx1"/>
+              </a:solidFill>
+              <a:prstDash val="solid"/>
+              <a:round/>
+              <a:headEnd type="none" w="med" len="med"/>
+              <a:tailEnd type="none" w="med" len="med"/>
+            </a:ln>
+          </p:spPr>
+          <p:style>
+            <a:lnRef idx="2">
+              <a:schemeClr val="accent1"/>
+            </a:lnRef>
+            <a:fillRef idx="0">
+              <a:schemeClr val="accent1"/>
+            </a:fillRef>
+            <a:effectRef idx="1">
+              <a:schemeClr val="accent1"/>
+            </a:effectRef>
+            <a:fontRef idx="minor">
+              <a:schemeClr val="tx1"/>
+            </a:fontRef>
+          </p:style>
+        </p:cxnSp>
+        <p:cxnSp>
+          <p:nvCxnSpPr>
+            <p:cNvPr id="88" name="直線コネクタ 87"/>
+            <p:cNvCxnSpPr/>
+            <p:nvPr/>
+          </p:nvCxnSpPr>
+          <p:spPr>
+            <a:xfrm flipV="1">
+              <a:off x="282282" y="1600200"/>
+              <a:ext cx="809930" cy="4770"/>
+            </a:xfrm>
+            <a:prstGeom prst="line">
+              <a:avLst/>
+            </a:prstGeom>
+            <a:ln w="6350" cap="flat" cmpd="sng" algn="ctr">
+              <a:solidFill>
+                <a:schemeClr val="tx1"/>
+              </a:solidFill>
+              <a:prstDash val="solid"/>
+              <a:round/>
+              <a:headEnd type="none" w="med" len="med"/>
+              <a:tailEnd type="none" w="med" len="med"/>
+            </a:ln>
+          </p:spPr>
+          <p:style>
+            <a:lnRef idx="2">
+              <a:schemeClr val="accent1"/>
+            </a:lnRef>
+            <a:fillRef idx="0">
+              <a:schemeClr val="accent1"/>
+            </a:fillRef>
+            <a:effectRef idx="1">
+              <a:schemeClr val="accent1"/>
+            </a:effectRef>
+            <a:fontRef idx="minor">
+              <a:schemeClr val="tx1"/>
+            </a:fontRef>
+          </p:style>
+        </p:cxnSp>
+        <p:cxnSp>
+          <p:nvCxnSpPr>
+            <p:cNvPr id="89" name="直線コネクタ 88"/>
+            <p:cNvCxnSpPr/>
+            <p:nvPr/>
+          </p:nvCxnSpPr>
+          <p:spPr>
+            <a:xfrm flipV="1">
+              <a:off x="231486" y="1659468"/>
+              <a:ext cx="809930" cy="4770"/>
+            </a:xfrm>
+            <a:prstGeom prst="line">
+              <a:avLst/>
+            </a:prstGeom>
+            <a:ln w="6350" cap="flat" cmpd="sng" algn="ctr">
+              <a:solidFill>
+                <a:schemeClr val="tx1"/>
+              </a:solidFill>
+              <a:prstDash val="solid"/>
+              <a:round/>
+              <a:headEnd type="none" w="med" len="med"/>
+              <a:tailEnd type="none" w="med" len="med"/>
+            </a:ln>
+          </p:spPr>
+          <p:style>
+            <a:lnRef idx="2">
+              <a:schemeClr val="accent1"/>
+            </a:lnRef>
+            <a:fillRef idx="0">
+              <a:schemeClr val="accent1"/>
+            </a:fillRef>
+            <a:effectRef idx="1">
+              <a:schemeClr val="accent1"/>
+            </a:effectRef>
+            <a:fontRef idx="minor">
+              <a:schemeClr val="tx1"/>
+            </a:fontRef>
+          </p:style>
+        </p:cxnSp>
+        <p:cxnSp>
+          <p:nvCxnSpPr>
+            <p:cNvPr id="90" name="直線コネクタ 89"/>
+            <p:cNvCxnSpPr/>
+            <p:nvPr/>
+          </p:nvCxnSpPr>
+          <p:spPr>
+            <a:xfrm flipV="1">
+              <a:off x="278798" y="1447800"/>
+              <a:ext cx="260948" cy="246067"/>
+            </a:xfrm>
+            <a:prstGeom prst="line">
+              <a:avLst/>
+            </a:prstGeom>
+            <a:ln w="6350" cap="flat" cmpd="sng" algn="ctr">
+              <a:solidFill>
+                <a:schemeClr val="tx1"/>
+              </a:solidFill>
+              <a:prstDash val="solid"/>
+              <a:round/>
+              <a:headEnd type="none" w="med" len="med"/>
+              <a:tailEnd type="none" w="med" len="med"/>
+            </a:ln>
+          </p:spPr>
+          <p:style>
+            <a:lnRef idx="2">
+              <a:schemeClr val="accent1"/>
+            </a:lnRef>
+            <a:fillRef idx="0">
+              <a:schemeClr val="accent1"/>
+            </a:fillRef>
+            <a:effectRef idx="1">
+              <a:schemeClr val="accent1"/>
+            </a:effectRef>
+            <a:fontRef idx="minor">
+              <a:schemeClr val="tx1"/>
+            </a:fontRef>
+          </p:style>
+        </p:cxnSp>
+        <p:cxnSp>
+          <p:nvCxnSpPr>
+            <p:cNvPr id="100" name="直線コネクタ 99"/>
+            <p:cNvCxnSpPr/>
+            <p:nvPr/>
+          </p:nvCxnSpPr>
+          <p:spPr>
+            <a:xfrm flipV="1">
+              <a:off x="381000" y="1447800"/>
+              <a:ext cx="260948" cy="246067"/>
+            </a:xfrm>
+            <a:prstGeom prst="line">
+              <a:avLst/>
+            </a:prstGeom>
+            <a:ln w="6350" cap="flat" cmpd="sng" algn="ctr">
+              <a:solidFill>
+                <a:schemeClr val="tx1"/>
+              </a:solidFill>
+              <a:prstDash val="solid"/>
+              <a:round/>
+              <a:headEnd type="none" w="med" len="med"/>
+              <a:tailEnd type="none" w="med" len="med"/>
+            </a:ln>
+          </p:spPr>
+          <p:style>
+            <a:lnRef idx="2">
+              <a:schemeClr val="accent1"/>
+            </a:lnRef>
+            <a:fillRef idx="0">
+              <a:schemeClr val="accent1"/>
+            </a:fillRef>
+            <a:effectRef idx="1">
+              <a:schemeClr val="accent1"/>
+            </a:effectRef>
+            <a:fontRef idx="minor">
+              <a:schemeClr val="tx1"/>
+            </a:fontRef>
+          </p:style>
+        </p:cxnSp>
+        <p:cxnSp>
+          <p:nvCxnSpPr>
+            <p:cNvPr id="101" name="直線コネクタ 100"/>
+            <p:cNvCxnSpPr/>
+            <p:nvPr/>
+          </p:nvCxnSpPr>
+          <p:spPr>
+            <a:xfrm flipV="1">
+              <a:off x="457200" y="1447800"/>
+              <a:ext cx="260948" cy="246067"/>
+            </a:xfrm>
+            <a:prstGeom prst="line">
+              <a:avLst/>
+            </a:prstGeom>
+            <a:ln w="6350" cap="flat" cmpd="sng" algn="ctr">
+              <a:solidFill>
+                <a:schemeClr val="tx1"/>
+              </a:solidFill>
+              <a:prstDash val="solid"/>
+              <a:round/>
+              <a:headEnd type="none" w="med" len="med"/>
+              <a:tailEnd type="none" w="med" len="med"/>
+            </a:ln>
+          </p:spPr>
+          <p:style>
+            <a:lnRef idx="2">
+              <a:schemeClr val="accent1"/>
+            </a:lnRef>
+            <a:fillRef idx="0">
+              <a:schemeClr val="accent1"/>
+            </a:fillRef>
+            <a:effectRef idx="1">
+              <a:schemeClr val="accent1"/>
+            </a:effectRef>
+            <a:fontRef idx="minor">
+              <a:schemeClr val="tx1"/>
+            </a:fontRef>
+          </p:style>
+        </p:cxnSp>
+        <p:cxnSp>
+          <p:nvCxnSpPr>
+            <p:cNvPr id="102" name="直線コネクタ 101"/>
+            <p:cNvCxnSpPr/>
+            <p:nvPr/>
+          </p:nvCxnSpPr>
+          <p:spPr>
+            <a:xfrm flipV="1">
+              <a:off x="533400" y="1447800"/>
+              <a:ext cx="260948" cy="246067"/>
+            </a:xfrm>
+            <a:prstGeom prst="line">
+              <a:avLst/>
+            </a:prstGeom>
+            <a:ln w="6350" cap="flat" cmpd="sng" algn="ctr">
+              <a:solidFill>
+                <a:schemeClr val="tx1"/>
+              </a:solidFill>
+              <a:prstDash val="solid"/>
+              <a:round/>
+              <a:headEnd type="none" w="med" len="med"/>
+              <a:tailEnd type="none" w="med" len="med"/>
+            </a:ln>
+          </p:spPr>
+          <p:style>
+            <a:lnRef idx="2">
+              <a:schemeClr val="accent1"/>
+            </a:lnRef>
+            <a:fillRef idx="0">
+              <a:schemeClr val="accent1"/>
+            </a:fillRef>
+            <a:effectRef idx="1">
+              <a:schemeClr val="accent1"/>
+            </a:effectRef>
+            <a:fontRef idx="minor">
+              <a:schemeClr val="tx1"/>
+            </a:fontRef>
+          </p:style>
+        </p:cxnSp>
+        <p:cxnSp>
+          <p:nvCxnSpPr>
+            <p:cNvPr id="103" name="直線コネクタ 102"/>
+            <p:cNvCxnSpPr/>
+            <p:nvPr/>
+          </p:nvCxnSpPr>
+          <p:spPr>
+            <a:xfrm flipV="1">
+              <a:off x="609600" y="1447800"/>
+              <a:ext cx="260948" cy="246067"/>
+            </a:xfrm>
+            <a:prstGeom prst="line">
+              <a:avLst/>
+            </a:prstGeom>
+            <a:ln w="6350" cap="flat" cmpd="sng" algn="ctr">
+              <a:solidFill>
+                <a:schemeClr val="tx1"/>
+              </a:solidFill>
+              <a:prstDash val="solid"/>
+              <a:round/>
+              <a:headEnd type="none" w="med" len="med"/>
+              <a:tailEnd type="none" w="med" len="med"/>
+            </a:ln>
+          </p:spPr>
+          <p:style>
+            <a:lnRef idx="2">
+              <a:schemeClr val="accent1"/>
+            </a:lnRef>
+            <a:fillRef idx="0">
+              <a:schemeClr val="accent1"/>
+            </a:fillRef>
+            <a:effectRef idx="1">
+              <a:schemeClr val="accent1"/>
+            </a:effectRef>
+            <a:fontRef idx="minor">
+              <a:schemeClr val="tx1"/>
+            </a:fontRef>
+          </p:style>
+        </p:cxnSp>
+        <p:cxnSp>
+          <p:nvCxnSpPr>
+            <p:cNvPr id="104" name="直線コネクタ 103"/>
+            <p:cNvCxnSpPr/>
+            <p:nvPr/>
+          </p:nvCxnSpPr>
+          <p:spPr>
+            <a:xfrm flipV="1">
+              <a:off x="685800" y="1447800"/>
+              <a:ext cx="260948" cy="246067"/>
+            </a:xfrm>
+            <a:prstGeom prst="line">
+              <a:avLst/>
+            </a:prstGeom>
+            <a:ln w="6350" cap="flat" cmpd="sng" algn="ctr">
+              <a:solidFill>
+                <a:schemeClr val="tx1"/>
+              </a:solidFill>
+              <a:prstDash val="solid"/>
+              <a:round/>
+              <a:headEnd type="none" w="med" len="med"/>
+              <a:tailEnd type="none" w="med" len="med"/>
+            </a:ln>
+          </p:spPr>
+          <p:style>
+            <a:lnRef idx="2">
+              <a:schemeClr val="accent1"/>
+            </a:lnRef>
+            <a:fillRef idx="0">
+              <a:schemeClr val="accent1"/>
+            </a:fillRef>
+            <a:effectRef idx="1">
+              <a:schemeClr val="accent1"/>
+            </a:effectRef>
+            <a:fontRef idx="minor">
+              <a:schemeClr val="tx1"/>
+            </a:fontRef>
+          </p:style>
+        </p:cxnSp>
+        <p:cxnSp>
+          <p:nvCxnSpPr>
+            <p:cNvPr id="105" name="直線コネクタ 104"/>
+            <p:cNvCxnSpPr/>
+            <p:nvPr/>
+          </p:nvCxnSpPr>
+          <p:spPr>
+            <a:xfrm flipV="1">
+              <a:off x="762000" y="1447800"/>
+              <a:ext cx="260948" cy="246067"/>
+            </a:xfrm>
+            <a:prstGeom prst="line">
+              <a:avLst/>
+            </a:prstGeom>
+            <a:ln w="6350" cap="flat" cmpd="sng" algn="ctr">
+              <a:solidFill>
+                <a:schemeClr val="tx1"/>
+              </a:solidFill>
+              <a:prstDash val="solid"/>
+              <a:round/>
+              <a:headEnd type="none" w="med" len="med"/>
+              <a:tailEnd type="none" w="med" len="med"/>
+            </a:ln>
+          </p:spPr>
+          <p:style>
+            <a:lnRef idx="2">
+              <a:schemeClr val="accent1"/>
+            </a:lnRef>
+            <a:fillRef idx="0">
+              <a:schemeClr val="accent1"/>
+            </a:fillRef>
+            <a:effectRef idx="1">
+              <a:schemeClr val="accent1"/>
+            </a:effectRef>
+            <a:fontRef idx="minor">
+              <a:schemeClr val="tx1"/>
+            </a:fontRef>
+          </p:style>
+        </p:cxnSp>
+        <p:cxnSp>
+          <p:nvCxnSpPr>
+            <p:cNvPr id="106" name="直線コネクタ 105"/>
+            <p:cNvCxnSpPr/>
+            <p:nvPr/>
+          </p:nvCxnSpPr>
+          <p:spPr>
+            <a:xfrm flipV="1">
+              <a:off x="838200" y="1447800"/>
+              <a:ext cx="260948" cy="246067"/>
+            </a:xfrm>
+            <a:prstGeom prst="line">
+              <a:avLst/>
+            </a:prstGeom>
+            <a:ln w="6350" cap="flat" cmpd="sng" algn="ctr">
+              <a:solidFill>
+                <a:schemeClr val="tx1"/>
+              </a:solidFill>
+              <a:prstDash val="solid"/>
+              <a:round/>
+              <a:headEnd type="none" w="med" len="med"/>
+              <a:tailEnd type="none" w="med" len="med"/>
+            </a:ln>
+          </p:spPr>
+          <p:style>
+            <a:lnRef idx="2">
+              <a:schemeClr val="accent1"/>
+            </a:lnRef>
+            <a:fillRef idx="0">
+              <a:schemeClr val="accent1"/>
+            </a:fillRef>
+            <a:effectRef idx="1">
+              <a:schemeClr val="accent1"/>
+            </a:effectRef>
+            <a:fontRef idx="minor">
+              <a:schemeClr val="tx1"/>
+            </a:fontRef>
+          </p:style>
+        </p:cxnSp>
+        <p:cxnSp>
+          <p:nvCxnSpPr>
+            <p:cNvPr id="107" name="直線コネクタ 106"/>
+            <p:cNvCxnSpPr/>
+            <p:nvPr/>
+          </p:nvCxnSpPr>
+          <p:spPr>
+            <a:xfrm flipV="1">
+              <a:off x="914400" y="1447800"/>
+              <a:ext cx="260948" cy="246067"/>
+            </a:xfrm>
+            <a:prstGeom prst="line">
+              <a:avLst/>
+            </a:prstGeom>
+            <a:ln w="6350" cap="flat" cmpd="sng" algn="ctr">
+              <a:solidFill>
+                <a:schemeClr val="tx1"/>
+              </a:solidFill>
+              <a:prstDash val="solid"/>
+              <a:round/>
+              <a:headEnd type="none" w="med" len="med"/>
+              <a:tailEnd type="none" w="med" len="med"/>
+            </a:ln>
+          </p:spPr>
+          <p:style>
+            <a:lnRef idx="2">
+              <a:schemeClr val="accent1"/>
+            </a:lnRef>
+            <a:fillRef idx="0">
+              <a:schemeClr val="accent1"/>
+            </a:fillRef>
+            <a:effectRef idx="1">
+              <a:schemeClr val="accent1"/>
+            </a:effectRef>
+            <a:fontRef idx="minor">
+              <a:schemeClr val="tx1"/>
+            </a:fontRef>
+          </p:style>
+        </p:cxnSp>
+        <p:sp>
+          <p:nvSpPr>
+            <p:cNvPr id="108" name="正方形/長方形 107"/>
+            <p:cNvSpPr/>
+            <p:nvPr/>
+          </p:nvSpPr>
+          <p:spPr>
+            <a:xfrm>
+              <a:off x="495300" y="1092116"/>
+              <a:ext cx="723900" cy="279484"/>
+            </a:xfrm>
+            <a:prstGeom prst="rect">
+              <a:avLst/>
+            </a:prstGeom>
+            <a:solidFill>
+              <a:schemeClr val="tx1">
+                <a:lumMod val="50000"/>
+                <a:lumOff val="50000"/>
+              </a:schemeClr>
+            </a:solidFill>
+            <a:ln w="6350" cap="flat" cmpd="sng" algn="ctr">
+              <a:solidFill>
+                <a:schemeClr val="tx1"/>
+              </a:solidFill>
+              <a:prstDash val="solid"/>
+              <a:round/>
+              <a:headEnd type="none" w="med" len="med"/>
+              <a:tailEnd type="none" w="med" len="med"/>
+            </a:ln>
+          </p:spPr>
+          <p:style>
+            <a:lnRef idx="1">
+              <a:schemeClr val="accent1"/>
+            </a:lnRef>
+            <a:fillRef idx="3">
+              <a:schemeClr val="accent1"/>
+            </a:fillRef>
+            <a:effectRef idx="2">
+              <a:schemeClr val="accent1"/>
+            </a:effectRef>
+            <a:fontRef idx="minor">
+              <a:schemeClr val="lt1"/>
+            </a:fontRef>
+          </p:style>
+          <p:txBody>
+            <a:bodyPr rtlCol="0" anchor="ctr"/>
+            <a:lstStyle/>
+            <a:p>
+              <a:pPr algn="ctr"/>
+              <a:endParaRPr kumimoji="1" lang="ja-JP" altLang="en-US"/>
+            </a:p>
+          </p:txBody>
+        </p:sp>
+      </p:grpSp>
+      <p:grpSp>
+        <p:nvGrpSpPr>
+          <p:cNvPr id="3" name="図形グループ 109"/>
+          <p:cNvGrpSpPr>
+            <a:grpSpLocks noChangeAspect="1"/>
+          </p:cNvGrpSpPr>
+          <p:nvPr/>
+        </p:nvGrpSpPr>
+        <p:grpSpPr>
+          <a:xfrm>
+            <a:off x="5257800" y="598445"/>
+            <a:ext cx="660441" cy="479510"/>
+            <a:chOff x="194732" y="994833"/>
+            <a:chExt cx="1100668" cy="799183"/>
+          </a:xfrm>
+        </p:grpSpPr>
+        <p:sp>
+          <p:nvSpPr>
+            <p:cNvPr id="111" name="直方体 110"/>
+            <p:cNvSpPr/>
+            <p:nvPr/>
+          </p:nvSpPr>
+          <p:spPr>
+            <a:xfrm>
+              <a:off x="447369" y="994833"/>
+              <a:ext cx="848031" cy="448197"/>
+            </a:xfrm>
+            <a:prstGeom prst="cube">
+              <a:avLst>
+                <a:gd name="adj" fmla="val 9597"/>
+              </a:avLst>
+            </a:prstGeom>
+            <a:solidFill>
+              <a:schemeClr val="bg1">
+                <a:lumMod val="75000"/>
+              </a:schemeClr>
+            </a:solidFill>
+            <a:ln w="6350" cap="flat" cmpd="sng" algn="ctr">
+              <a:solidFill>
+                <a:schemeClr val="tx1"/>
+              </a:solidFill>
+              <a:prstDash val="solid"/>
+              <a:round/>
+              <a:headEnd type="none" w="med" len="med"/>
+              <a:tailEnd type="none" w="med" len="med"/>
+            </a:ln>
+          </p:spPr>
+          <p:style>
+            <a:lnRef idx="1">
+              <a:schemeClr val="accent1"/>
+            </a:lnRef>
+            <a:fillRef idx="3">
+              <a:schemeClr val="accent1"/>
+            </a:fillRef>
+            <a:effectRef idx="2">
+              <a:schemeClr val="accent1"/>
+            </a:effectRef>
+            <a:fontRef idx="minor">
+              <a:schemeClr val="lt1"/>
+            </a:fontRef>
+          </p:style>
+          <p:txBody>
+            <a:bodyPr rtlCol="0" anchor="ctr"/>
+            <a:lstStyle/>
+            <a:p>
+              <a:pPr algn="ctr"/>
+              <a:endParaRPr kumimoji="1" lang="ja-JP" altLang="en-US"/>
+            </a:p>
+          </p:txBody>
+        </p:sp>
+        <p:sp>
+          <p:nvSpPr>
+            <p:cNvPr id="112" name="直方体 111"/>
+            <p:cNvSpPr/>
+            <p:nvPr/>
+          </p:nvSpPr>
+          <p:spPr>
+            <a:xfrm>
+              <a:off x="194732" y="1447800"/>
+              <a:ext cx="1062567" cy="346216"/>
+            </a:xfrm>
+            <a:prstGeom prst="cube">
+              <a:avLst>
+                <a:gd name="adj" fmla="val 74756"/>
+              </a:avLst>
+            </a:prstGeom>
+            <a:solidFill>
+              <a:schemeClr val="bg1">
+                <a:lumMod val="75000"/>
+              </a:schemeClr>
+            </a:solidFill>
+            <a:ln w="6350" cap="flat" cmpd="sng" algn="ctr">
+              <a:solidFill>
+                <a:schemeClr val="tx1"/>
+              </a:solidFill>
+              <a:prstDash val="solid"/>
+              <a:round/>
+              <a:headEnd type="none" w="med" len="med"/>
+              <a:tailEnd type="none" w="med" len="med"/>
+            </a:ln>
+          </p:spPr>
+          <p:style>
+            <a:lnRef idx="1">
+              <a:schemeClr val="accent1"/>
+            </a:lnRef>
+            <a:fillRef idx="3">
+              <a:schemeClr val="accent1"/>
+            </a:fillRef>
+            <a:effectRef idx="2">
+              <a:schemeClr val="accent1"/>
+            </a:effectRef>
+            <a:fontRef idx="minor">
+              <a:schemeClr val="lt1"/>
+            </a:fontRef>
+          </p:style>
+          <p:txBody>
+            <a:bodyPr rtlCol="0" anchor="ctr"/>
+            <a:lstStyle/>
+            <a:p>
+              <a:pPr algn="ctr"/>
+              <a:endParaRPr kumimoji="1" lang="ja-JP" altLang="en-US"/>
+            </a:p>
+          </p:txBody>
+        </p:sp>
+        <p:cxnSp>
+          <p:nvCxnSpPr>
+            <p:cNvPr id="113" name="直線コネクタ 112"/>
+            <p:cNvCxnSpPr/>
+            <p:nvPr/>
+          </p:nvCxnSpPr>
+          <p:spPr>
+            <a:xfrm flipV="1">
+              <a:off x="409272" y="1489593"/>
+              <a:ext cx="809930" cy="4770"/>
+            </a:xfrm>
+            <a:prstGeom prst="line">
+              <a:avLst/>
+            </a:prstGeom>
+            <a:ln w="6350" cap="flat" cmpd="sng" algn="ctr">
+              <a:solidFill>
+                <a:schemeClr val="tx1"/>
+              </a:solidFill>
+              <a:prstDash val="solid"/>
+              <a:round/>
+              <a:headEnd type="none" w="med" len="med"/>
+              <a:tailEnd type="none" w="med" len="med"/>
+            </a:ln>
+          </p:spPr>
+          <p:style>
+            <a:lnRef idx="2">
+              <a:schemeClr val="accent1"/>
+            </a:lnRef>
+            <a:fillRef idx="0">
+              <a:schemeClr val="accent1"/>
+            </a:fillRef>
+            <a:effectRef idx="1">
+              <a:schemeClr val="accent1"/>
+            </a:effectRef>
+            <a:fontRef idx="minor">
+              <a:schemeClr val="tx1"/>
+            </a:fontRef>
+          </p:style>
+        </p:cxnSp>
+        <p:cxnSp>
+          <p:nvCxnSpPr>
+            <p:cNvPr id="114" name="直線コネクタ 113"/>
+            <p:cNvCxnSpPr/>
+            <p:nvPr/>
+          </p:nvCxnSpPr>
+          <p:spPr>
+            <a:xfrm flipV="1">
+              <a:off x="350010" y="1540932"/>
+              <a:ext cx="809930" cy="4770"/>
+            </a:xfrm>
+            <a:prstGeom prst="line">
+              <a:avLst/>
+            </a:prstGeom>
+            <a:ln w="6350" cap="flat" cmpd="sng" algn="ctr">
+              <a:solidFill>
+                <a:schemeClr val="tx1"/>
+              </a:solidFill>
+              <a:prstDash val="solid"/>
+              <a:round/>
+              <a:headEnd type="none" w="med" len="med"/>
+              <a:tailEnd type="none" w="med" len="med"/>
+            </a:ln>
+          </p:spPr>
+          <p:style>
+            <a:lnRef idx="2">
+              <a:schemeClr val="accent1"/>
+            </a:lnRef>
+            <a:fillRef idx="0">
+              <a:schemeClr val="accent1"/>
+            </a:fillRef>
+            <a:effectRef idx="1">
+              <a:schemeClr val="accent1"/>
+            </a:effectRef>
+            <a:fontRef idx="minor">
+              <a:schemeClr val="tx1"/>
+            </a:fontRef>
+          </p:style>
+        </p:cxnSp>
+        <p:cxnSp>
+          <p:nvCxnSpPr>
+            <p:cNvPr id="115" name="直線コネクタ 114"/>
+            <p:cNvCxnSpPr/>
+            <p:nvPr/>
+          </p:nvCxnSpPr>
+          <p:spPr>
+            <a:xfrm flipV="1">
+              <a:off x="282282" y="1600200"/>
+              <a:ext cx="809930" cy="4770"/>
+            </a:xfrm>
+            <a:prstGeom prst="line">
+              <a:avLst/>
+            </a:prstGeom>
+            <a:ln w="6350" cap="flat" cmpd="sng" algn="ctr">
+              <a:solidFill>
+                <a:schemeClr val="tx1"/>
+              </a:solidFill>
+              <a:prstDash val="solid"/>
+              <a:round/>
+              <a:headEnd type="none" w="med" len="med"/>
+              <a:tailEnd type="none" w="med" len="med"/>
+            </a:ln>
+          </p:spPr>
+          <p:style>
+            <a:lnRef idx="2">
+              <a:schemeClr val="accent1"/>
+            </a:lnRef>
+            <a:fillRef idx="0">
+              <a:schemeClr val="accent1"/>
+            </a:fillRef>
+            <a:effectRef idx="1">
+              <a:schemeClr val="accent1"/>
+            </a:effectRef>
+            <a:fontRef idx="minor">
+              <a:schemeClr val="tx1"/>
+            </a:fontRef>
+          </p:style>
+        </p:cxnSp>
+        <p:cxnSp>
+          <p:nvCxnSpPr>
+            <p:cNvPr id="116" name="直線コネクタ 115"/>
+            <p:cNvCxnSpPr/>
+            <p:nvPr/>
+          </p:nvCxnSpPr>
+          <p:spPr>
+            <a:xfrm flipV="1">
+              <a:off x="231486" y="1659468"/>
+              <a:ext cx="809930" cy="4770"/>
+            </a:xfrm>
+            <a:prstGeom prst="line">
+              <a:avLst/>
+            </a:prstGeom>
+            <a:ln w="6350" cap="flat" cmpd="sng" algn="ctr">
+              <a:solidFill>
+                <a:schemeClr val="tx1"/>
+              </a:solidFill>
+              <a:prstDash val="solid"/>
+              <a:round/>
+              <a:headEnd type="none" w="med" len="med"/>
+              <a:tailEnd type="none" w="med" len="med"/>
+            </a:ln>
+          </p:spPr>
+          <p:style>
+            <a:lnRef idx="2">
+              <a:schemeClr val="accent1"/>
+            </a:lnRef>
+            <a:fillRef idx="0">
+              <a:schemeClr val="accent1"/>
+            </a:fillRef>
+            <a:effectRef idx="1">
+              <a:schemeClr val="accent1"/>
+            </a:effectRef>
+            <a:fontRef idx="minor">
+              <a:schemeClr val="tx1"/>
+            </a:fontRef>
+          </p:style>
+        </p:cxnSp>
+        <p:cxnSp>
+          <p:nvCxnSpPr>
+            <p:cNvPr id="117" name="直線コネクタ 116"/>
+            <p:cNvCxnSpPr/>
+            <p:nvPr/>
+          </p:nvCxnSpPr>
+          <p:spPr>
+            <a:xfrm flipV="1">
+              <a:off x="278798" y="1447800"/>
+              <a:ext cx="260948" cy="246067"/>
+            </a:xfrm>
+            <a:prstGeom prst="line">
+              <a:avLst/>
+            </a:prstGeom>
+            <a:ln w="6350" cap="flat" cmpd="sng" algn="ctr">
+              <a:solidFill>
+                <a:schemeClr val="tx1"/>
+              </a:solidFill>
+              <a:prstDash val="solid"/>
+              <a:round/>
+              <a:headEnd type="none" w="med" len="med"/>
+              <a:tailEnd type="none" w="med" len="med"/>
+            </a:ln>
+          </p:spPr>
+          <p:style>
+            <a:lnRef idx="2">
+              <a:schemeClr val="accent1"/>
+            </a:lnRef>
+            <a:fillRef idx="0">
+              <a:schemeClr val="accent1"/>
+            </a:fillRef>
+            <a:effectRef idx="1">
+              <a:schemeClr val="accent1"/>
+            </a:effectRef>
+            <a:fontRef idx="minor">
+              <a:schemeClr val="tx1"/>
+            </a:fontRef>
+          </p:style>
+        </p:cxnSp>
+        <p:cxnSp>
+          <p:nvCxnSpPr>
+            <p:cNvPr id="118" name="直線コネクタ 117"/>
+            <p:cNvCxnSpPr/>
+            <p:nvPr/>
+          </p:nvCxnSpPr>
+          <p:spPr>
+            <a:xfrm flipV="1">
+              <a:off x="381000" y="1447800"/>
+              <a:ext cx="260948" cy="246067"/>
+            </a:xfrm>
+            <a:prstGeom prst="line">
+              <a:avLst/>
+            </a:prstGeom>
+            <a:ln w="6350" cap="flat" cmpd="sng" algn="ctr">
+              <a:solidFill>
+                <a:schemeClr val="tx1"/>
+              </a:solidFill>
+              <a:prstDash val="solid"/>
+              <a:round/>
+              <a:headEnd type="none" w="med" len="med"/>
+              <a:tailEnd type="none" w="med" len="med"/>
+            </a:ln>
+          </p:spPr>
+          <p:style>
+            <a:lnRef idx="2">
+              <a:schemeClr val="accent1"/>
+            </a:lnRef>
+            <a:fillRef idx="0">
+              <a:schemeClr val="accent1"/>
+            </a:fillRef>
+            <a:effectRef idx="1">
+              <a:schemeClr val="accent1"/>
+            </a:effectRef>
+            <a:fontRef idx="minor">
+              <a:schemeClr val="tx1"/>
+            </a:fontRef>
+          </p:style>
+        </p:cxnSp>
+        <p:cxnSp>
+          <p:nvCxnSpPr>
+            <p:cNvPr id="119" name="直線コネクタ 118"/>
+            <p:cNvCxnSpPr/>
+            <p:nvPr/>
+          </p:nvCxnSpPr>
+          <p:spPr>
+            <a:xfrm flipV="1">
+              <a:off x="457200" y="1447800"/>
+              <a:ext cx="260948" cy="246067"/>
+            </a:xfrm>
+            <a:prstGeom prst="line">
+              <a:avLst/>
+            </a:prstGeom>
+            <a:ln w="6350" cap="flat" cmpd="sng" algn="ctr">
+              <a:solidFill>
+                <a:schemeClr val="tx1"/>
+              </a:solidFill>
+              <a:prstDash val="solid"/>
+              <a:round/>
+              <a:headEnd type="none" w="med" len="med"/>
+              <a:tailEnd type="none" w="med" len="med"/>
+            </a:ln>
+          </p:spPr>
+          <p:style>
+            <a:lnRef idx="2">
+              <a:schemeClr val="accent1"/>
+            </a:lnRef>
+            <a:fillRef idx="0">
+              <a:schemeClr val="accent1"/>
+            </a:fillRef>
+            <a:effectRef idx="1">
+              <a:schemeClr val="accent1"/>
+            </a:effectRef>
+            <a:fontRef idx="minor">
+              <a:schemeClr val="tx1"/>
+            </a:fontRef>
+          </p:style>
+        </p:cxnSp>
+        <p:cxnSp>
+          <p:nvCxnSpPr>
+            <p:cNvPr id="120" name="直線コネクタ 119"/>
+            <p:cNvCxnSpPr/>
+            <p:nvPr/>
+          </p:nvCxnSpPr>
+          <p:spPr>
+            <a:xfrm flipV="1">
+              <a:off x="533400" y="1447800"/>
+              <a:ext cx="260948" cy="246067"/>
+            </a:xfrm>
+            <a:prstGeom prst="line">
+              <a:avLst/>
+            </a:prstGeom>
+            <a:ln w="6350" cap="flat" cmpd="sng" algn="ctr">
+              <a:solidFill>
+                <a:schemeClr val="tx1"/>
+              </a:solidFill>
+              <a:prstDash val="solid"/>
+              <a:round/>
+              <a:headEnd type="none" w="med" len="med"/>
+              <a:tailEnd type="none" w="med" len="med"/>
+            </a:ln>
+          </p:spPr>
+          <p:style>
+            <a:lnRef idx="2">
+              <a:schemeClr val="accent1"/>
+            </a:lnRef>
+            <a:fillRef idx="0">
+              <a:schemeClr val="accent1"/>
+            </a:fillRef>
+            <a:effectRef idx="1">
+              <a:schemeClr val="accent1"/>
+            </a:effectRef>
+            <a:fontRef idx="minor">
+              <a:schemeClr val="tx1"/>
+            </a:fontRef>
+          </p:style>
+        </p:cxnSp>
+        <p:cxnSp>
+          <p:nvCxnSpPr>
+            <p:cNvPr id="121" name="直線コネクタ 120"/>
+            <p:cNvCxnSpPr/>
+            <p:nvPr/>
+          </p:nvCxnSpPr>
+          <p:spPr>
+            <a:xfrm flipV="1">
+              <a:off x="609600" y="1447800"/>
+              <a:ext cx="260948" cy="246067"/>
+            </a:xfrm>
+            <a:prstGeom prst="line">
+              <a:avLst/>
+            </a:prstGeom>
+            <a:ln w="6350" cap="flat" cmpd="sng" algn="ctr">
+              <a:solidFill>
+                <a:schemeClr val="tx1"/>
+              </a:solidFill>
+              <a:prstDash val="solid"/>
+              <a:round/>
+              <a:headEnd type="none" w="med" len="med"/>
+              <a:tailEnd type="none" w="med" len="med"/>
+            </a:ln>
+          </p:spPr>
+          <p:style>
+            <a:lnRef idx="2">
+              <a:schemeClr val="accent1"/>
+            </a:lnRef>
+            <a:fillRef idx="0">
+              <a:schemeClr val="accent1"/>
+            </a:fillRef>
+            <a:effectRef idx="1">
+              <a:schemeClr val="accent1"/>
+            </a:effectRef>
+            <a:fontRef idx="minor">
+              <a:schemeClr val="tx1"/>
+            </a:fontRef>
+          </p:style>
+        </p:cxnSp>
+        <p:cxnSp>
+          <p:nvCxnSpPr>
+            <p:cNvPr id="122" name="直線コネクタ 121"/>
+            <p:cNvCxnSpPr/>
+            <p:nvPr/>
+          </p:nvCxnSpPr>
+          <p:spPr>
+            <a:xfrm flipV="1">
+              <a:off x="685800" y="1447800"/>
+              <a:ext cx="260948" cy="246067"/>
+            </a:xfrm>
+            <a:prstGeom prst="line">
+              <a:avLst/>
+            </a:prstGeom>
+            <a:ln w="6350" cap="flat" cmpd="sng" algn="ctr">
+              <a:solidFill>
+                <a:schemeClr val="tx1"/>
+              </a:solidFill>
+              <a:prstDash val="solid"/>
+              <a:round/>
+              <a:headEnd type="none" w="med" len="med"/>
+              <a:tailEnd type="none" w="med" len="med"/>
+            </a:ln>
+          </p:spPr>
+          <p:style>
+            <a:lnRef idx="2">
+              <a:schemeClr val="accent1"/>
+            </a:lnRef>
+            <a:fillRef idx="0">
+              <a:schemeClr val="accent1"/>
+            </a:fillRef>
+            <a:effectRef idx="1">
+              <a:schemeClr val="accent1"/>
+            </a:effectRef>
+            <a:fontRef idx="minor">
+              <a:schemeClr val="tx1"/>
+            </a:fontRef>
+          </p:style>
+        </p:cxnSp>
+        <p:cxnSp>
+          <p:nvCxnSpPr>
+            <p:cNvPr id="123" name="直線コネクタ 122"/>
+            <p:cNvCxnSpPr/>
+            <p:nvPr/>
+          </p:nvCxnSpPr>
+          <p:spPr>
+            <a:xfrm flipV="1">
+              <a:off x="762000" y="1447800"/>
+              <a:ext cx="260948" cy="246067"/>
+            </a:xfrm>
+            <a:prstGeom prst="line">
+              <a:avLst/>
+            </a:prstGeom>
+            <a:ln w="6350" cap="flat" cmpd="sng" algn="ctr">
+              <a:solidFill>
+                <a:schemeClr val="tx1"/>
+              </a:solidFill>
+              <a:prstDash val="solid"/>
+              <a:round/>
+              <a:headEnd type="none" w="med" len="med"/>
+              <a:tailEnd type="none" w="med" len="med"/>
+            </a:ln>
+          </p:spPr>
+          <p:style>
+            <a:lnRef idx="2">
+              <a:schemeClr val="accent1"/>
+            </a:lnRef>
+            <a:fillRef idx="0">
+              <a:schemeClr val="accent1"/>
+            </a:fillRef>
+            <a:effectRef idx="1">
+              <a:schemeClr val="accent1"/>
+            </a:effectRef>
+            <a:fontRef idx="minor">
+              <a:schemeClr val="tx1"/>
+            </a:fontRef>
+          </p:style>
+        </p:cxnSp>
+        <p:cxnSp>
+          <p:nvCxnSpPr>
+            <p:cNvPr id="124" name="直線コネクタ 123"/>
+            <p:cNvCxnSpPr/>
+            <p:nvPr/>
+          </p:nvCxnSpPr>
+          <p:spPr>
+            <a:xfrm flipV="1">
+              <a:off x="838200" y="1447800"/>
+              <a:ext cx="260948" cy="246067"/>
+            </a:xfrm>
+            <a:prstGeom prst="line">
+              <a:avLst/>
+            </a:prstGeom>
+            <a:ln w="6350" cap="flat" cmpd="sng" algn="ctr">
+              <a:solidFill>
+                <a:schemeClr val="tx1"/>
+              </a:solidFill>
+              <a:prstDash val="solid"/>
+              <a:round/>
+              <a:headEnd type="none" w="med" len="med"/>
+              <a:tailEnd type="none" w="med" len="med"/>
+            </a:ln>
+          </p:spPr>
+          <p:style>
+            <a:lnRef idx="2">
+              <a:schemeClr val="accent1"/>
+            </a:lnRef>
+            <a:fillRef idx="0">
+              <a:schemeClr val="accent1"/>
+            </a:fillRef>
+            <a:effectRef idx="1">
+              <a:schemeClr val="accent1"/>
+            </a:effectRef>
+            <a:fontRef idx="minor">
+              <a:schemeClr val="tx1"/>
+            </a:fontRef>
+          </p:style>
+        </p:cxnSp>
+        <p:cxnSp>
+          <p:nvCxnSpPr>
+            <p:cNvPr id="125" name="直線コネクタ 124"/>
+            <p:cNvCxnSpPr/>
+            <p:nvPr/>
+          </p:nvCxnSpPr>
+          <p:spPr>
+            <a:xfrm flipV="1">
+              <a:off x="914400" y="1447800"/>
+              <a:ext cx="260948" cy="246067"/>
+            </a:xfrm>
+            <a:prstGeom prst="line">
+              <a:avLst/>
+            </a:prstGeom>
+            <a:ln w="6350" cap="flat" cmpd="sng" algn="ctr">
+              <a:solidFill>
+                <a:schemeClr val="tx1"/>
+              </a:solidFill>
+              <a:prstDash val="solid"/>
+              <a:round/>
+              <a:headEnd type="none" w="med" len="med"/>
+              <a:tailEnd type="none" w="med" len="med"/>
+            </a:ln>
+          </p:spPr>
+          <p:style>
+            <a:lnRef idx="2">
+              <a:schemeClr val="accent1"/>
+            </a:lnRef>
+            <a:fillRef idx="0">
+              <a:schemeClr val="accent1"/>
+            </a:fillRef>
+            <a:effectRef idx="1">
+              <a:schemeClr val="accent1"/>
+            </a:effectRef>
+            <a:fontRef idx="minor">
+              <a:schemeClr val="tx1"/>
+            </a:fontRef>
+          </p:style>
+        </p:cxnSp>
+        <p:sp>
+          <p:nvSpPr>
+            <p:cNvPr id="126" name="正方形/長方形 125"/>
+            <p:cNvSpPr/>
+            <p:nvPr/>
+          </p:nvSpPr>
+          <p:spPr>
+            <a:xfrm>
+              <a:off x="495300" y="1092116"/>
+              <a:ext cx="723900" cy="279484"/>
+            </a:xfrm>
+            <a:prstGeom prst="rect">
+              <a:avLst/>
+            </a:prstGeom>
+            <a:solidFill>
+              <a:schemeClr val="tx1">
+                <a:lumMod val="50000"/>
+                <a:lumOff val="50000"/>
+              </a:schemeClr>
+            </a:solidFill>
+            <a:ln w="6350" cap="flat" cmpd="sng" algn="ctr">
+              <a:solidFill>
+                <a:schemeClr val="tx1"/>
+              </a:solidFill>
+              <a:prstDash val="solid"/>
+              <a:round/>
+              <a:headEnd type="none" w="med" len="med"/>
+              <a:tailEnd type="none" w="med" len="med"/>
+            </a:ln>
+          </p:spPr>
+          <p:style>
+            <a:lnRef idx="1">
+              <a:schemeClr val="accent1"/>
+            </a:lnRef>
+            <a:fillRef idx="3">
+              <a:schemeClr val="accent1"/>
+            </a:fillRef>
+            <a:effectRef idx="2">
+              <a:schemeClr val="accent1"/>
+            </a:effectRef>
+            <a:fontRef idx="minor">
+              <a:schemeClr val="lt1"/>
+            </a:fontRef>
+          </p:style>
+          <p:txBody>
+            <a:bodyPr rtlCol="0" anchor="ctr"/>
+            <a:lstStyle/>
+            <a:p>
+              <a:pPr algn="ctr"/>
+              <a:endParaRPr kumimoji="1" lang="ja-JP" altLang="en-US"/>
+            </a:p>
+          </p:txBody>
+        </p:sp>
+      </p:grpSp>
+      <p:cxnSp>
+        <p:nvCxnSpPr>
+          <p:cNvPr id="144" name="直線矢印コネクタ 143"/>
+          <p:cNvCxnSpPr/>
+          <p:nvPr/>
+        </p:nvCxnSpPr>
+        <p:spPr>
+          <a:xfrm>
+            <a:off x="1764566" y="1017865"/>
+            <a:ext cx="1283434" cy="887135"/>
+          </a:xfrm>
+          <a:prstGeom prst="straightConnector1">
+            <a:avLst/>
+          </a:prstGeom>
+          <a:ln>
+            <a:solidFill>
+              <a:srgbClr val="FF0000"/>
+            </a:solidFill>
+            <a:tailEnd type="arrow"/>
+          </a:ln>
+        </p:spPr>
+        <p:style>
+          <a:lnRef idx="2">
+            <a:schemeClr val="accent1"/>
+          </a:lnRef>
+          <a:fillRef idx="0">
+            <a:schemeClr val="accent1"/>
+          </a:fillRef>
+          <a:effectRef idx="1">
+            <a:schemeClr val="accent1"/>
+          </a:effectRef>
+          <a:fontRef idx="minor">
+            <a:schemeClr val="tx1"/>
+          </a:fontRef>
+        </p:style>
+      </p:cxnSp>
+      <p:cxnSp>
+        <p:nvCxnSpPr>
+          <p:cNvPr id="147" name="直線矢印コネクタ 146"/>
+          <p:cNvCxnSpPr/>
+          <p:nvPr/>
+        </p:nvCxnSpPr>
+        <p:spPr>
+          <a:xfrm>
+            <a:off x="5867400" y="1017865"/>
+            <a:ext cx="1066800" cy="887135"/>
+          </a:xfrm>
+          <a:prstGeom prst="straightConnector1">
+            <a:avLst/>
+          </a:prstGeom>
+          <a:ln>
+            <a:solidFill>
+              <a:srgbClr val="FF0000"/>
+            </a:solidFill>
+            <a:tailEnd type="arrow"/>
+          </a:ln>
+        </p:spPr>
+        <p:style>
+          <a:lnRef idx="2">
+            <a:schemeClr val="accent1"/>
+          </a:lnRef>
+          <a:fillRef idx="0">
+            <a:schemeClr val="accent1"/>
+          </a:fillRef>
+          <a:effectRef idx="1">
+            <a:schemeClr val="accent1"/>
+          </a:effectRef>
+          <a:fontRef idx="minor">
+            <a:schemeClr val="tx1"/>
+          </a:fontRef>
+        </p:style>
+      </p:cxnSp>
     </p:spTree>
   </p:cSld>
   <p:clrMapOvr>
